--- a/Week 8 - Cloud Foundation/Week_8_Slides.pptx
+++ b/Week 8 - Cloud Foundation/Week_8_Slides.pptx
@@ -8,7 +8,7 @@
     <p:sldId id="256" r:id="rId7"/>
     <p:sldId id="257" r:id="rId8"/>
     <p:sldId id="258" r:id="rId9"/>
-    <p:sldId id="259" r:id="rId11"/>
+    <p:sldId id="259" r:id="rId10"/>
     <p:sldId id="260" r:id="rId12"/>
     <p:sldId id="261" r:id="rId13"/>
     <p:sldId id="262" r:id="rId14"/>
@@ -51,6 +51,7 @@
     <p:sldId id="299" r:id="rId51"/>
     <p:sldId id="300" r:id="rId52"/>
     <p:sldId id="301" r:id="rId53"/>
+    <p:sldId id="302" r:id="rId54"/>
   </p:sldIdLst>
   <p:sldSz cx="9144000" cy="6858000" type="screen4x3"/>
   <p:notesSz cx="6858000" cy="9144000"/>
@@ -7669,7 +7670,7 @@
               </a:defRPr>
             </a:pPr>
             <a:r>
-              <a:t>2.5 CLI Implementation (Case Study: Nebula Inc.) (Part 1)</a:t>
+              <a:t>2.4 The Hierarchy</a:t>
             </a:r>
           </a:p>
         </p:txBody>
@@ -7710,7 +7711,11 @@
               </a:defRPr>
             </a:pPr>
             <a:r>
-              <a:t>Now we apply this theory to our startup.</a:t>
+              <a:t>Domain: A high-level container (e.g., "Default" or "Corporate_A"). Use for</a:t>
+            </a:r>
+            <a:br/>
+            <a:r>
+              <a:t>                    multi-tenant isolation.</a:t>
             </a:r>
           </a:p>
           <a:p>
@@ -7728,11 +7733,7 @@
               </a:defRPr>
             </a:pPr>
             <a:r>
-              <a:t>"Nebula Inc." requires a dedicated, isolated environment where</a:t>
-            </a:r>
-            <a:br/>
-            <a:r>
-              <a:t>                its developers can work without interfering with other departments.</a:t>
+              <a:t>Project (Tenant): The workspace. Resources (VMs, Networks) belong to a Project.</a:t>
             </a:r>
           </a:p>
           <a:p>
@@ -7750,11 +7751,7 @@
               </a:defRPr>
             </a:pPr>
             <a:r>
-              <a:t>In OpenStack, we achieve this</a:t>
-            </a:r>
-            <a:br/>
-            <a:r>
-              <a:t>                "Multi-Tenancy" by creating a specific Project.</a:t>
+              <a:t>User: The human or service account.</a:t>
             </a:r>
           </a:p>
           <a:p>
@@ -7772,33 +7769,11 @@
               </a:defRPr>
             </a:pPr>
             <a:r>
-              <a:t>This project will act as the container</a:t>
+              <a:t>Role: The permission set. A User must have a Role on a Project to do</a:t>
             </a:r>
             <a:br/>
             <a:r>
-              <a:t>                for all their future VMs, networks, and storage volumes.</a:t>
-            </a:r>
-          </a:p>
-          <a:p>
-            <a:pPr>
-              <a:spcBef>
-                <a:spcPts val="800"/>
-              </a:spcBef>
-              <a:spcAft>
-                <a:spcPts val="800"/>
-              </a:spcAft>
-              <a:defRPr sz="2000">
-                <a:solidFill>
-                  <a:srgbClr val="FFFFFF"/>
-                </a:solidFill>
-              </a:defRPr>
-            </a:pPr>
-            <a:r>
-              <a:t>It also allows us to set quotas (e.g., "Maximum</a:t>
-            </a:r>
-            <a:br/>
-            <a:r>
-              <a:t>                10 CPUs") to control their budget.</a:t>
+              <a:t>                    anything.</a:t>
             </a:r>
           </a:p>
         </p:txBody>
@@ -7883,7 +7858,7 @@
               </a:defRPr>
             </a:pPr>
             <a:r>
-              <a:t>2.5 CLI Implementation (Case Study: Nebula Inc.) (Part 2)</a:t>
+              <a:t>2.5 CLI Implementation (Case Study: Nebula Inc.) (Part 1)</a:t>
             </a:r>
           </a:p>
         </p:txBody>
@@ -7924,23 +7899,7 @@
               </a:defRPr>
             </a:pPr>
             <a:r>
-              <a:t>Explanation:</a:t>
-            </a:r>
-            <a:br/>
-            <a:r>
-              <a:t>--domain default: Specifies that this project lives in the default domain.</a:t>
-            </a:r>
-            <a:br/>
-            <a:r>
-              <a:t>--description: Metadata for admins.</a:t>
-            </a:r>
-            <a:br/>
-            <a:r>
-              <a:t>Result: Creates a record in the projects table. Returns a UUID</a:t>
-            </a:r>
-            <a:br/>
-            <a:r>
-              <a:t>                            (e.g., a1b2c3...).</a:t>
+              <a:t>Now we apply this theory to our startup.</a:t>
             </a:r>
           </a:p>
           <a:p>
@@ -7958,19 +7917,11 @@
               </a:defRPr>
             </a:pPr>
             <a:r>
-              <a:t>Explanation:</a:t>
+              <a:t>"Nebula Inc." requires a dedicated, isolated environment where</a:t>
             </a:r>
             <a:br/>
             <a:r>
-              <a:t>--password-prompt: Hides input for security.</a:t>
-            </a:r>
-            <a:br/>
-            <a:r>
-              <a:t>Result: Creating a user identity does NOT grant access. The user is</a:t>
-            </a:r>
-            <a:br/>
-            <a:r>
-              <a:t>                            currently "unemployed".</a:t>
+              <a:t>                its developers can work without interfering with other departments.</a:t>
             </a:r>
           </a:p>
           <a:p>
@@ -7988,23 +7939,55 @@
               </a:defRPr>
             </a:pPr>
             <a:r>
-              <a:t>Explanation:</a:t>
+              <a:t>In OpenStack, we achieve this</a:t>
             </a:r>
             <a:br/>
             <a:r>
-              <a:t>member: The standard permission level (can create VMs/Networks but cannot</a:t>
+              <a:t>                "Multi-Tenancy" by creating a specific Project.</a:t>
+            </a:r>
+          </a:p>
+          <a:p>
+            <a:pPr>
+              <a:spcBef>
+                <a:spcPts val="800"/>
+              </a:spcBef>
+              <a:spcAft>
+                <a:spcPts val="800"/>
+              </a:spcAft>
+              <a:defRPr sz="2000">
+                <a:solidFill>
+                  <a:srgbClr val="FFFFFF"/>
+                </a:solidFill>
+              </a:defRPr>
+            </a:pPr>
+            <a:r>
+              <a:t>This project will act as the container</a:t>
             </a:r>
             <a:br/>
             <a:r>
-              <a:t>                            delete other users).</a:t>
+              <a:t>                for all their future VMs, networks, and storage volumes.</a:t>
+            </a:r>
+          </a:p>
+          <a:p>
+            <a:pPr>
+              <a:spcBef>
+                <a:spcPts val="800"/>
+              </a:spcBef>
+              <a:spcAft>
+                <a:spcPts val="800"/>
+              </a:spcAft>
+              <a:defRPr sz="2000">
+                <a:solidFill>
+                  <a:srgbClr val="FFFFFF"/>
+                </a:solidFill>
+              </a:defRPr>
+            </a:pPr>
+            <a:r>
+              <a:t>It also allows us to set quotas (e.g., "Maximum</a:t>
             </a:r>
             <a:br/>
             <a:r>
-              <a:t>Result: Creates a row in the role_assignments table linking</a:t>
-            </a:r>
-            <a:br/>
-            <a:r>
-              <a:t>                            User+Project+Role.</a:t>
+              <a:t>                10 CPUs") to control their budget.</a:t>
             </a:r>
           </a:p>
         </p:txBody>
@@ -8089,7 +8072,7 @@
               </a:defRPr>
             </a:pPr>
             <a:r>
-              <a:t>2.6 Identity Verification &amp; Management (Part 1)</a:t>
+              <a:t>2.5 CLI Implementation (Case Study: Nebula Inc.) (Part 2)</a:t>
             </a:r>
           </a:p>
         </p:txBody>
@@ -8130,7 +8113,23 @@
               </a:defRPr>
             </a:pPr>
             <a:r>
-              <a:t>In a production cloud, security is an ongoing process, not a one-time setup.</a:t>
+              <a:t>Explanation:</a:t>
+            </a:r>
+            <a:br/>
+            <a:r>
+              <a:t>--domain default: Specifies that this project lives in the default domain.</a:t>
+            </a:r>
+            <a:br/>
+            <a:r>
+              <a:t>--description: Metadata for admins.</a:t>
+            </a:r>
+            <a:br/>
+            <a:r>
+              <a:t>Result: Creates a record in the projects table. Returns a UUID</a:t>
+            </a:r>
+            <a:br/>
+            <a:r>
+              <a:t>                            (e.g., a1b2c3...).</a:t>
             </a:r>
           </a:p>
           <a:p>
@@ -8148,15 +8147,19 @@
               </a:defRPr>
             </a:pPr>
             <a:r>
-              <a:t>The "Principle of Least</a:t>
+              <a:t>Explanation:</a:t>
             </a:r>
             <a:br/>
             <a:r>
-              <a:t>                Privilege" dictates that we must continuously verify that only the correct people have access to our</a:t>
+              <a:t>--password-prompt: Hides input for security.</a:t>
             </a:r>
             <a:br/>
             <a:r>
-              <a:t>                sensitive data.</a:t>
+              <a:t>Result: Creating a user identity does NOT grant access. The user is</a:t>
+            </a:r>
+            <a:br/>
+            <a:r>
+              <a:t>                            currently "unemployed".</a:t>
             </a:r>
           </a:p>
           <a:p>
@@ -8174,59 +8177,23 @@
               </a:defRPr>
             </a:pPr>
             <a:r>
-              <a:t>Simply listing the users in the system is insufficient; a user might exist but have no</a:t>
+              <a:t>Explanation:</a:t>
             </a:r>
             <a:br/>
             <a:r>
-              <a:t>                access to anything.</a:t>
-            </a:r>
-          </a:p>
-          <a:p>
-            <a:pPr>
-              <a:spcBef>
-                <a:spcPts val="800"/>
-              </a:spcBef>
-              <a:spcAft>
-                <a:spcPts val="800"/>
-              </a:spcAft>
-              <a:defRPr sz="2000">
-                <a:solidFill>
-                  <a:srgbClr val="FFFFFF"/>
-                </a:solidFill>
-              </a:defRPr>
-            </a:pPr>
-            <a:r>
-              <a:t>To audit this, we must inspect the Role Assignments.</a:t>
-            </a:r>
-          </a:p>
-          <a:p>
-            <a:pPr>
-              <a:spcBef>
-                <a:spcPts val="800"/>
-              </a:spcBef>
-              <a:spcAft>
-                <a:spcPts val="800"/>
-              </a:spcAft>
-              <a:defRPr sz="2000">
-                <a:solidFill>
-                  <a:srgbClr val="FFFFFF"/>
-                </a:solidFill>
-              </a:defRPr>
-            </a:pPr>
-            <a:r>
-              <a:t>Explanation:</a:t>
+              <a:t>member: The standard permission level (can create VMs/Networks but cannot</a:t>
             </a:r>
             <a:br/>
             <a:r>
-              <a:t>--names: Resolves UUIDs to human-readable names.</a:t>
+              <a:t>                            delete other users).</a:t>
             </a:r>
             <a:br/>
             <a:r>
-              <a:t>Result: Displays exactly which project the user can access and with what</a:t>
+              <a:t>Result: Creates a row in the role_assignments table linking</a:t>
             </a:r>
             <a:br/>
             <a:r>
-              <a:t>                            level of authority.</a:t>
+              <a:t>                            User+Project+Role.</a:t>
             </a:r>
           </a:p>
         </p:txBody>
@@ -8311,7 +8278,7 @@
               </a:defRPr>
             </a:pPr>
             <a:r>
-              <a:t>2.6 Identity Verification &amp; Management (Part 2)</a:t>
+              <a:t>2.6 Identity Verification &amp; Management (Part 1)</a:t>
             </a:r>
           </a:p>
         </p:txBody>
@@ -8352,25 +8319,103 @@
               </a:defRPr>
             </a:pPr>
             <a:r>
-              <a:t>Disabling a User:</a:t>
+              <a:t>In a production cloud, security is an ongoing process, not a one-time setup.</a:t>
+            </a:r>
+          </a:p>
+          <a:p>
+            <a:pPr>
+              <a:spcBef>
+                <a:spcPts val="800"/>
+              </a:spcBef>
+              <a:spcAft>
+                <a:spcPts val="800"/>
+              </a:spcAft>
+              <a:defRPr sz="2000">
+                <a:solidFill>
+                  <a:srgbClr val="FFFFFF"/>
+                </a:solidFill>
+              </a:defRPr>
+            </a:pPr>
+            <a:r>
+              <a:t>The "Principle of Least</a:t>
             </a:r>
             <a:br/>
             <a:r>
-              <a:t>                        bash</a:t>
+              <a:t>                Privilege" dictates that we must continuously verify that only the correct people have access to our</a:t>
             </a:r>
             <a:br/>
             <a:r>
-              <a:t>    openstack user set --disable nebula_admin</a:t>
+              <a:t>                sensitive data.</a:t>
+            </a:r>
+          </a:p>
+          <a:p>
+            <a:pPr>
+              <a:spcBef>
+                <a:spcPts val="800"/>
+              </a:spcBef>
+              <a:spcAft>
+                <a:spcPts val="800"/>
+              </a:spcAft>
+              <a:defRPr sz="2000">
+                <a:solidFill>
+                  <a:srgbClr val="FFFFFF"/>
+                </a:solidFill>
+              </a:defRPr>
+            </a:pPr>
+            <a:r>
+              <a:t>Simply listing the users in the system is insufficient; a user might exist but have no</a:t>
             </a:r>
             <a:br/>
+            <a:r>
+              <a:t>                access to anything.</a:t>
+            </a:r>
+          </a:p>
+          <a:p>
+            <a:pPr>
+              <a:spcBef>
+                <a:spcPts val="800"/>
+              </a:spcBef>
+              <a:spcAft>
+                <a:spcPts val="800"/>
+              </a:spcAft>
+              <a:defRPr sz="2000">
+                <a:solidFill>
+                  <a:srgbClr val="FFFFFF"/>
+                </a:solidFill>
+              </a:defRPr>
+            </a:pPr>
+            <a:r>
+              <a:t>To audit this, we must inspect the Role Assignments.</a:t>
+            </a:r>
+          </a:p>
+          <a:p>
+            <a:pPr>
+              <a:spcBef>
+                <a:spcPts val="800"/>
+              </a:spcBef>
+              <a:spcAft>
+                <a:spcPts val="800"/>
+              </a:spcAft>
+              <a:defRPr sz="2000">
+                <a:solidFill>
+                  <a:srgbClr val="FFFFFF"/>
+                </a:solidFill>
+              </a:defRPr>
+            </a:pPr>
+            <a:r>
+              <a:t>Explanation:</a:t>
+            </a:r>
             <a:br/>
+            <a:r>
+              <a:t>--names: Resolves UUIDs to human-readable names.</a:t>
+            </a:r>
             <a:br/>
             <a:r>
-              <a:t>Explanation: Sets enabled=False in the DB. The user cannot</a:t>
+              <a:t>Result: Displays exactly which project the user can access and with what</a:t>
             </a:r>
             <a:br/>
             <a:r>
-              <a:t>                            request new tokens.</a:t>
+              <a:t>                            level of authority.</a:t>
             </a:r>
           </a:p>
         </p:txBody>
@@ -8455,7 +8500,7 @@
               </a:defRPr>
             </a:pPr>
             <a:r>
-              <a:t>Section 2 Checkpoint (Part 1)</a:t>
+              <a:t>2.6 Identity Verification &amp; Management (Part 2)</a:t>
             </a:r>
           </a:p>
         </p:txBody>
@@ -8496,91 +8541,25 @@
               </a:defRPr>
             </a:pPr>
             <a:r>
-              <a:t>Keystone: The core authentication and authorization service; without it, nothing</a:t>
+              <a:t>Disabling a User:</a:t>
             </a:r>
             <a:br/>
             <a:r>
-              <a:t>                    works.</a:t>
-            </a:r>
-          </a:p>
-          <a:p>
-            <a:pPr>
-              <a:spcBef>
-                <a:spcPts val="800"/>
-              </a:spcBef>
-              <a:spcAft>
-                <a:spcPts val="800"/>
-              </a:spcAft>
-              <a:defRPr sz="2000">
-                <a:solidFill>
-                  <a:srgbClr val="FFFFFF"/>
-                </a:solidFill>
-              </a:defRPr>
-            </a:pPr>
-            <a:r>
-              <a:t>Fernet Tokens: Modern, stateless tokens that improve performance by removing</a:t>
+              <a:t>                        bash</a:t>
             </a:r>
             <a:br/>
             <a:r>
-              <a:t>                    database lookups.</a:t>
-            </a:r>
-          </a:p>
-          <a:p>
-            <a:pPr>
-              <a:spcBef>
-                <a:spcPts val="800"/>
-              </a:spcBef>
-              <a:spcAft>
-                <a:spcPts val="800"/>
-              </a:spcAft>
-              <a:defRPr sz="2000">
-                <a:solidFill>
-                  <a:srgbClr val="FFFFFF"/>
-                </a:solidFill>
-              </a:defRPr>
-            </a:pPr>
-            <a:r>
-              <a:t>Role Assignments: The critical link that grants a User permission on a Project.</a:t>
-            </a:r>
-          </a:p>
-          <a:p>
-            <a:pPr>
-              <a:spcBef>
-                <a:spcPts val="800"/>
-              </a:spcBef>
-              <a:spcAft>
-                <a:spcPts val="800"/>
-              </a:spcAft>
-              <a:defRPr sz="2000">
-                <a:solidFill>
-                  <a:srgbClr val="FFFFFF"/>
-                </a:solidFill>
-              </a:defRPr>
-            </a:pPr>
-            <a:r>
-              <a:t>Reflection:</a:t>
+              <a:t>    openstack user set --disable nebula_admin</a:t>
             </a:r>
             <a:br/>
-            <a:r>
-              <a:t>                1.</a:t>
-            </a:r>
-          </a:p>
-          <a:p>
-            <a:pPr>
-              <a:spcBef>
-                <a:spcPts val="800"/>
-              </a:spcBef>
-              <a:spcAft>
-                <a:spcPts val="800"/>
-              </a:spcAft>
-              <a:defRPr sz="2000">
-                <a:solidFill>
-                  <a:srgbClr val="FFFFFF"/>
-                </a:solidFill>
-              </a:defRPr>
-            </a:pPr>
-            <a:r>
-              <a:t>Why do we use tokens (like Fernet) instead of just passing the username/password to every service?</a:t>
+            <a:br/>
+            <a:br/>
+            <a:r>
+              <a:t>Explanation: Sets enabled=False in the DB. The user cannot</a:t>
+            </a:r>
+            <a:br/>
+            <a:r>
+              <a:t>                            request new tokens.</a:t>
             </a:r>
           </a:p>
         </p:txBody>
@@ -8665,7 +8644,7 @@
               </a:defRPr>
             </a:pPr>
             <a:r>
-              <a:t>Section 2 Checkpoint (Part 2)</a:t>
+              <a:t>Section 2 Checkpoint (Part 1)</a:t>
             </a:r>
           </a:p>
         </p:txBody>
@@ -8706,7 +8685,11 @@
               </a:defRPr>
             </a:pPr>
             <a:r>
-              <a:t>(Hint: Performance and Security).</a:t>
+              <a:t>Keystone: The core authentication and authorization service; without it, nothing</a:t>
+            </a:r>
+            <a:br/>
+            <a:r>
+              <a:t>                    works.</a:t>
             </a:r>
           </a:p>
           <a:p>
@@ -8724,7 +8707,11 @@
               </a:defRPr>
             </a:pPr>
             <a:r>
-              <a:t>2.</a:t>
+              <a:t>Fernet Tokens: Modern, stateless tokens that improve performance by removing</a:t>
+            </a:r>
+            <a:br/>
+            <a:r>
+              <a:t>                    database lookups.</a:t>
             </a:r>
           </a:p>
           <a:p>
@@ -8742,7 +8729,7 @@
               </a:defRPr>
             </a:pPr>
             <a:r>
-              <a:t>If you delete a user, their history disappears.</a:t>
+              <a:t>Role Assignments: The critical link that grants a User permission on a Project.</a:t>
             </a:r>
           </a:p>
           <a:p>
@@ -8760,7 +8747,11 @@
               </a:defRPr>
             </a:pPr>
             <a:r>
-              <a:t>OpenStack Keystone Guide</a:t>
+              <a:t>Reflection:</a:t>
+            </a:r>
+            <a:br/>
+            <a:r>
+              <a:t>                1.</a:t>
             </a:r>
           </a:p>
           <a:p>
@@ -8778,7 +8769,7 @@
               </a:defRPr>
             </a:pPr>
             <a:r>
-              <a:t>AWS Identity and Access Management (IAM)</a:t>
+              <a:t>Why do we use tokens (like Fernet) instead of just passing the username/password to every service?</a:t>
             </a:r>
           </a:p>
         </p:txBody>
@@ -8863,7 +8854,7 @@
               </a:defRPr>
             </a:pPr>
             <a:r>
-              <a:t>Section 2 Checkpoint (Part 3)</a:t>
+              <a:t>Section 2 Checkpoint (Part 2)</a:t>
             </a:r>
           </a:p>
         </p:txBody>
@@ -8904,7 +8895,79 @@
               </a:defRPr>
             </a:pPr>
             <a:r>
-              <a:t>Microsoft Entra ID (Azure AD)</a:t>
+              <a:t>(Hint: Performance and Security).</a:t>
+            </a:r>
+          </a:p>
+          <a:p>
+            <a:pPr>
+              <a:spcBef>
+                <a:spcPts val="800"/>
+              </a:spcBef>
+              <a:spcAft>
+                <a:spcPts val="800"/>
+              </a:spcAft>
+              <a:defRPr sz="2000">
+                <a:solidFill>
+                  <a:srgbClr val="FFFFFF"/>
+                </a:solidFill>
+              </a:defRPr>
+            </a:pPr>
+            <a:r>
+              <a:t>2.</a:t>
+            </a:r>
+          </a:p>
+          <a:p>
+            <a:pPr>
+              <a:spcBef>
+                <a:spcPts val="800"/>
+              </a:spcBef>
+              <a:spcAft>
+                <a:spcPts val="800"/>
+              </a:spcAft>
+              <a:defRPr sz="2000">
+                <a:solidFill>
+                  <a:srgbClr val="FFFFFF"/>
+                </a:solidFill>
+              </a:defRPr>
+            </a:pPr>
+            <a:r>
+              <a:t>If you delete a user, their history disappears.</a:t>
+            </a:r>
+          </a:p>
+          <a:p>
+            <a:pPr>
+              <a:spcBef>
+                <a:spcPts val="800"/>
+              </a:spcBef>
+              <a:spcAft>
+                <a:spcPts val="800"/>
+              </a:spcAft>
+              <a:defRPr sz="2000">
+                <a:solidFill>
+                  <a:srgbClr val="FFFFFF"/>
+                </a:solidFill>
+              </a:defRPr>
+            </a:pPr>
+            <a:r>
+              <a:t>OpenStack Keystone Guide</a:t>
+            </a:r>
+          </a:p>
+          <a:p>
+            <a:pPr>
+              <a:spcBef>
+                <a:spcPts val="800"/>
+              </a:spcBef>
+              <a:spcAft>
+                <a:spcPts val="800"/>
+              </a:spcAft>
+              <a:defRPr sz="2000">
+                <a:solidFill>
+                  <a:srgbClr val="FFFFFF"/>
+                </a:solidFill>
+              </a:defRPr>
+            </a:pPr>
+            <a:r>
+              <a:t>AWS Identity and Access Management (IAM)</a:t>
             </a:r>
           </a:p>
         </p:txBody>
@@ -8918,6 +8981,132 @@
 </file>
 
 <file path=ppt/slides/slide17.xml><?xml version="1.0" encoding="utf-8"?>
+<p:sld xmlns:a="http://schemas.openxmlformats.org/drawingml/2006/main" xmlns:p="http://schemas.openxmlformats.org/presentationml/2006/main" xmlns:r="http://schemas.openxmlformats.org/officeDocument/2006/relationships">
+  <p:cSld>
+    <p:bg>
+      <p:bgPr>
+        <a:solidFill>
+          <a:srgbClr val="142A46"/>
+        </a:solidFill>
+        <a:effectLst/>
+      </p:bgPr>
+    </p:bg>
+    <p:spTree>
+      <p:nvGrpSpPr>
+        <p:cNvPr id="1" name=""/>
+        <p:cNvGrpSpPr/>
+        <p:nvPr/>
+      </p:nvGrpSpPr>
+      <p:grpSpPr/>
+      <p:pic>
+        <p:nvPicPr>
+          <p:cNvPr id="2" name="Picture 1" descr="ops3_logo.png"/>
+          <p:cNvPicPr>
+            <a:picLocks noChangeAspect="1"/>
+          </p:cNvPicPr>
+          <p:nvPr/>
+        </p:nvPicPr>
+        <p:blipFill>
+          <a:blip r:embed="rId2"/>
+          <a:stretch>
+            <a:fillRect/>
+          </a:stretch>
+        </p:blipFill>
+        <p:spPr>
+          <a:xfrm>
+            <a:off x="274320" y="274320"/>
+            <a:ext cx="581649" cy="548640"/>
+          </a:xfrm>
+          <a:prstGeom prst="rect">
+            <a:avLst/>
+          </a:prstGeom>
+        </p:spPr>
+      </p:pic>
+      <p:sp>
+        <p:nvSpPr>
+          <p:cNvPr id="3" name="TextBox 2"/>
+          <p:cNvSpPr txBox="1"/>
+          <p:nvPr/>
+        </p:nvSpPr>
+        <p:spPr>
+          <a:xfrm>
+            <a:off x="457200" y="914400"/>
+            <a:ext cx="8229600" cy="640080"/>
+          </a:xfrm>
+          <a:prstGeom prst="rect">
+            <a:avLst/>
+          </a:prstGeom>
+          <a:noFill/>
+        </p:spPr>
+        <p:txBody>
+          <a:bodyPr wrap="none">
+            <a:spAutoFit/>
+          </a:bodyPr>
+          <a:lstStyle/>
+          <a:p>
+            <a:pPr>
+              <a:defRPr sz="3200" b="1">
+                <a:solidFill>
+                  <a:srgbClr val="C9984A"/>
+                </a:solidFill>
+              </a:defRPr>
+            </a:pPr>
+            <a:r>
+              <a:t>Section 2 Checkpoint (Part 3)</a:t>
+            </a:r>
+          </a:p>
+        </p:txBody>
+      </p:sp>
+      <p:sp>
+        <p:nvSpPr>
+          <p:cNvPr id="4" name="TextBox 3"/>
+          <p:cNvSpPr txBox="1"/>
+          <p:nvPr/>
+        </p:nvSpPr>
+        <p:spPr>
+          <a:xfrm>
+            <a:off x="731520" y="1737360"/>
+            <a:ext cx="7680960" cy="4389120"/>
+          </a:xfrm>
+          <a:prstGeom prst="rect">
+            <a:avLst/>
+          </a:prstGeom>
+          <a:noFill/>
+        </p:spPr>
+        <p:txBody>
+          <a:bodyPr wrap="square">
+            <a:spAutoFit/>
+          </a:bodyPr>
+          <a:lstStyle/>
+          <a:p>
+            <a:pPr>
+              <a:spcBef>
+                <a:spcPts val="800"/>
+              </a:spcBef>
+              <a:spcAft>
+                <a:spcPts val="800"/>
+              </a:spcAft>
+              <a:defRPr sz="2000">
+                <a:solidFill>
+                  <a:srgbClr val="FFFFFF"/>
+                </a:solidFill>
+              </a:defRPr>
+            </a:pPr>
+            <a:r>
+              <a:t>Microsoft Entra ID (Azure AD)</a:t>
+            </a:r>
+          </a:p>
+        </p:txBody>
+      </p:sp>
+    </p:spTree>
+  </p:cSld>
+  <p:clrMapOvr>
+    <a:masterClrMapping/>
+  </p:clrMapOvr>
+</p:sld>
+</file>
+
+<file path=ppt/slides/slide18.xml><?xml version="1.0" encoding="utf-8"?>
 <p:sld xmlns:a="http://schemas.openxmlformats.org/drawingml/2006/main" xmlns:p="http://schemas.openxmlformats.org/presentationml/2006/main" xmlns:r="http://schemas.openxmlformats.org/officeDocument/2006/relationships">
   <p:cSld>
     <p:bg>
@@ -8990,180 +9179,6 @@
             </a:pPr>
             <a:r>
               <a:t>3. Deep Dive: Image Management (Glance)</a:t>
-            </a:r>
-          </a:p>
-        </p:txBody>
-      </p:sp>
-    </p:spTree>
-  </p:cSld>
-  <p:clrMapOvr>
-    <a:masterClrMapping/>
-  </p:clrMapOvr>
-</p:sld>
-</file>
-
-<file path=ppt/slides/slide18.xml><?xml version="1.0" encoding="utf-8"?>
-<p:sld xmlns:a="http://schemas.openxmlformats.org/drawingml/2006/main" xmlns:p="http://schemas.openxmlformats.org/presentationml/2006/main" xmlns:r="http://schemas.openxmlformats.org/officeDocument/2006/relationships">
-  <p:cSld>
-    <p:bg>
-      <p:bgPr>
-        <a:solidFill>
-          <a:srgbClr val="142A46"/>
-        </a:solidFill>
-        <a:effectLst/>
-      </p:bgPr>
-    </p:bg>
-    <p:spTree>
-      <p:nvGrpSpPr>
-        <p:cNvPr id="1" name=""/>
-        <p:cNvGrpSpPr/>
-        <p:nvPr/>
-      </p:nvGrpSpPr>
-      <p:grpSpPr/>
-      <p:pic>
-        <p:nvPicPr>
-          <p:cNvPr id="2" name="Picture 1" descr="ops3_logo.png"/>
-          <p:cNvPicPr>
-            <a:picLocks noChangeAspect="1"/>
-          </p:cNvPicPr>
-          <p:nvPr/>
-        </p:nvPicPr>
-        <p:blipFill>
-          <a:blip r:embed="rId2"/>
-          <a:stretch>
-            <a:fillRect/>
-          </a:stretch>
-        </p:blipFill>
-        <p:spPr>
-          <a:xfrm>
-            <a:off x="274320" y="274320"/>
-            <a:ext cx="581649" cy="548640"/>
-          </a:xfrm>
-          <a:prstGeom prst="rect">
-            <a:avLst/>
-          </a:prstGeom>
-        </p:spPr>
-      </p:pic>
-      <p:sp>
-        <p:nvSpPr>
-          <p:cNvPr id="3" name="TextBox 2"/>
-          <p:cNvSpPr txBox="1"/>
-          <p:nvPr/>
-        </p:nvSpPr>
-        <p:spPr>
-          <a:xfrm>
-            <a:off x="457200" y="914400"/>
-            <a:ext cx="8229600" cy="640080"/>
-          </a:xfrm>
-          <a:prstGeom prst="rect">
-            <a:avLst/>
-          </a:prstGeom>
-          <a:noFill/>
-        </p:spPr>
-        <p:txBody>
-          <a:bodyPr wrap="none">
-            <a:spAutoFit/>
-          </a:bodyPr>
-          <a:lstStyle/>
-          <a:p>
-            <a:pPr>
-              <a:defRPr sz="3200" b="1">
-                <a:solidFill>
-                  <a:srgbClr val="C9984A"/>
-                </a:solidFill>
-              </a:defRPr>
-            </a:pPr>
-            <a:r>
-              <a:t>3.1 Understanding Disk Formats</a:t>
-            </a:r>
-          </a:p>
-        </p:txBody>
-      </p:sp>
-      <p:sp>
-        <p:nvSpPr>
-          <p:cNvPr id="4" name="TextBox 3"/>
-          <p:cNvSpPr txBox="1"/>
-          <p:nvPr/>
-        </p:nvSpPr>
-        <p:spPr>
-          <a:xfrm>
-            <a:off x="731520" y="1737360"/>
-            <a:ext cx="7680960" cy="4389120"/>
-          </a:xfrm>
-          <a:prstGeom prst="rect">
-            <a:avLst/>
-          </a:prstGeom>
-          <a:noFill/>
-        </p:spPr>
-        <p:txBody>
-          <a:bodyPr wrap="square">
-            <a:spAutoFit/>
-          </a:bodyPr>
-          <a:lstStyle/>
-          <a:p>
-            <a:pPr>
-              <a:spcBef>
-                <a:spcPts val="800"/>
-              </a:spcBef>
-              <a:spcAft>
-                <a:spcPts val="800"/>
-              </a:spcAft>
-              <a:defRPr sz="2000">
-                <a:solidFill>
-                  <a:srgbClr val="FFFFFF"/>
-                </a:solidFill>
-              </a:defRPr>
-            </a:pPr>
-            <a:r>
-              <a:t>QCOW2 (QEMU Copy On Write) is the standard format for OpenStack.</a:t>
-            </a:r>
-          </a:p>
-          <a:p>
-            <a:pPr>
-              <a:spcBef>
-                <a:spcPts val="800"/>
-              </a:spcBef>
-              <a:spcAft>
-                <a:spcPts val="800"/>
-              </a:spcAft>
-              <a:defRPr sz="2000">
-                <a:solidFill>
-                  <a:srgbClr val="FFFFFF"/>
-                </a:solidFill>
-              </a:defRPr>
-            </a:pPr>
-            <a:r>
-              <a:t>It supports compression</a:t>
-            </a:r>
-            <a:br/>
-            <a:r>
-              <a:t>                and "Thin Provisioning," meaning a 10GB drive with only 100MB of data takes up only 100MB of physical</a:t>
-            </a:r>
-            <a:br/>
-            <a:r>
-              <a:t>                space.</a:t>
-            </a:r>
-          </a:p>
-          <a:p>
-            <a:pPr>
-              <a:spcBef>
-                <a:spcPts val="800"/>
-              </a:spcBef>
-              <a:spcAft>
-                <a:spcPts val="800"/>
-              </a:spcAft>
-              <a:defRPr sz="2000">
-                <a:solidFill>
-                  <a:srgbClr val="FFFFFF"/>
-                </a:solidFill>
-              </a:defRPr>
-            </a:pPr>
-            <a:r>
-              <a:t>Crucially, it logic enables snapshot capabilities, allowing you to save the state of a VM</a:t>
-            </a:r>
-            <a:br/>
-            <a:r>
-              <a:t>                instantly.</a:t>
             </a:r>
           </a:p>
         </p:txBody>
@@ -9248,7 +9263,7 @@
               </a:defRPr>
             </a:pPr>
             <a:r>
-              <a:t>3.2 Glance Architecture</a:t>
+              <a:t>3.1 Understanding Disk Formats</a:t>
             </a:r>
           </a:p>
         </p:txBody>
@@ -9289,11 +9304,7 @@
               </a:defRPr>
             </a:pPr>
             <a:r>
-              <a:t>Glance API: The front-end service that accepts user requests (e.g., "Upload this</a:t>
-            </a:r>
-            <a:br/>
-            <a:r>
-              <a:t>                    image", "List images"). It verifies the user's token with Keystone before proceeding.</a:t>
+              <a:t>QCOW2 (QEMU Copy On Write) is the standard format for OpenStack.</a:t>
             </a:r>
           </a:p>
           <a:p>
@@ -9311,11 +9322,15 @@
               </a:defRPr>
             </a:pPr>
             <a:r>
-              <a:t>Glance Registry: An internal service that stores the metadata about images</a:t>
+              <a:t>It supports compression</a:t>
             </a:r>
             <a:br/>
             <a:r>
-              <a:t>                    (Name, Size, Format, Owner) in the SQL database.</a:t>
+              <a:t>                and "Thin Provisioning," meaning a 10GB drive with only 100MB of data takes up only 100MB of physical</a:t>
+            </a:r>
+            <a:br/>
+            <a:r>
+              <a:t>                space.</a:t>
             </a:r>
           </a:p>
           <a:p>
@@ -9333,19 +9348,11 @@
               </a:defRPr>
             </a:pPr>
             <a:r>
-              <a:t>Backend Store: The driver responsible for storing the actual binary data</a:t>
+              <a:t>Crucially, it logic enables snapshot capabilities, allowing you to save the state of a VM</a:t>
             </a:r>
             <a:br/>
             <a:r>
-              <a:t>                    (the heavy bits). While this can be a local file system (/var/lib/glance), production</a:t>
-            </a:r>
-            <a:br/>
-            <a:r>
-              <a:t>                    clouds typically use a distributed storage cluster like Ceph or an object store</a:t>
-            </a:r>
-            <a:br/>
-            <a:r>
-              <a:t>                    like AWS S3 to ensure data durability and accessibility across all compute nodes.</a:t>
+              <a:t>                instantly.</a:t>
             </a:r>
           </a:p>
         </p:txBody>
@@ -9364,7 +9371,7 @@
     <p:bg>
       <p:bgPr>
         <a:solidFill>
-          <a:srgbClr val="1E3A5F"/>
+          <a:srgbClr val="142A46"/>
         </a:solidFill>
         <a:effectLst/>
       </p:bgPr>
@@ -9408,8 +9415,8 @@
         </p:nvSpPr>
         <p:spPr>
           <a:xfrm>
-            <a:off x="914400" y="2286000"/>
-            <a:ext cx="7315200" cy="1828800"/>
+            <a:off x="457200" y="914400"/>
+            <a:ext cx="8229600" cy="640080"/>
           </a:xfrm>
           <a:prstGeom prst="rect">
             <a:avLst/>
@@ -9417,20 +9424,155 @@
           <a:noFill/>
         </p:spPr>
         <p:txBody>
+          <a:bodyPr wrap="none">
+            <a:spAutoFit/>
+          </a:bodyPr>
+          <a:lstStyle/>
+          <a:p>
+            <a:pPr>
+              <a:defRPr sz="3600" b="1">
+                <a:solidFill>
+                  <a:srgbClr val="C9984A"/>
+                </a:solidFill>
+              </a:defRPr>
+            </a:pPr>
+            <a:r>
+              <a:t>What You Will Learn This Week</a:t>
+            </a:r>
+          </a:p>
+        </p:txBody>
+      </p:sp>
+      <p:sp>
+        <p:nvSpPr>
+          <p:cNvPr id="4" name="TextBox 3"/>
+          <p:cNvSpPr txBox="1"/>
+          <p:nvPr/>
+        </p:nvSpPr>
+        <p:spPr>
+          <a:xfrm>
+            <a:off x="1097280" y="2011680"/>
+            <a:ext cx="6949440" cy="4114800"/>
+          </a:xfrm>
+          <a:prstGeom prst="rect">
+            <a:avLst/>
+          </a:prstGeom>
+          <a:noFill/>
+        </p:spPr>
+        <p:txBody>
           <a:bodyPr wrap="square">
             <a:spAutoFit/>
           </a:bodyPr>
           <a:lstStyle/>
           <a:p>
-            <a:pPr algn="ctr">
-              <a:defRPr sz="4800" b="1">
-                <a:solidFill>
-                  <a:srgbClr val="C9984A"/>
-                </a:solidFill>
-              </a:defRPr>
-            </a:pPr>
-            <a:r>
-              <a:t>Welcome to Week 8!</a:t>
+            <a:pPr>
+              <a:spcBef>
+                <a:spcPts val="1000"/>
+              </a:spcBef>
+              <a:spcAft>
+                <a:spcPts val="1000"/>
+              </a:spcAft>
+              <a:defRPr sz="2200">
+                <a:solidFill>
+                  <a:srgbClr val="FFFFFF"/>
+                </a:solidFill>
+              </a:defRPr>
+            </a:pPr>
+            <a:r>
+              <a:t>Understand welcome to week 8!</a:t>
+            </a:r>
+          </a:p>
+          <a:p>
+            <a:pPr>
+              <a:spcBef>
+                <a:spcPts val="1000"/>
+              </a:spcBef>
+              <a:spcAft>
+                <a:spcPts val="1000"/>
+              </a:spcAft>
+              <a:defRPr sz="2200">
+                <a:solidFill>
+                  <a:srgbClr val="FFFFFF"/>
+                </a:solidFill>
+              </a:defRPr>
+            </a:pPr>
+            <a:r>
+              <a:t>Understand 2. deep dive: identity management (keystone)</a:t>
+            </a:r>
+          </a:p>
+          <a:p>
+            <a:pPr>
+              <a:spcBef>
+                <a:spcPts val="1000"/>
+              </a:spcBef>
+              <a:spcAft>
+                <a:spcPts val="1000"/>
+              </a:spcAft>
+              <a:defRPr sz="2200">
+                <a:solidFill>
+                  <a:srgbClr val="FFFFFF"/>
+                </a:solidFill>
+              </a:defRPr>
+            </a:pPr>
+            <a:r>
+              <a:t>Understand 3. deep dive: image management (glance)</a:t>
+            </a:r>
+          </a:p>
+          <a:p>
+            <a:pPr>
+              <a:spcBef>
+                <a:spcPts val="1000"/>
+              </a:spcBef>
+              <a:spcAft>
+                <a:spcPts val="1000"/>
+              </a:spcAft>
+              <a:defRPr sz="2200">
+                <a:solidFill>
+                  <a:srgbClr val="FFFFFF"/>
+                </a:solidFill>
+              </a:defRPr>
+            </a:pPr>
+            <a:r>
+              <a:t>Understand 4. deep dive: networking (neutron)</a:t>
+            </a:r>
+          </a:p>
+          <a:p>
+            <a:pPr>
+              <a:spcBef>
+                <a:spcPts val="1000"/>
+              </a:spcBef>
+              <a:spcAft>
+                <a:spcPts val="1000"/>
+              </a:spcAft>
+              <a:defRPr sz="2200">
+                <a:solidFill>
+                  <a:srgbClr val="FFFFFF"/>
+                </a:solidFill>
+              </a:defRPr>
+            </a:pPr>
+            <a:r>
+              <a:t>Understand 6. industry comparison: the "polyglot" cloud</a:t>
+            </a:r>
+            <a:br/>
+            <a:r>
+              <a:t>                engineer</a:t>
+            </a:r>
+          </a:p>
+          <a:p>
+            <a:pPr>
+              <a:spcBef>
+                <a:spcPts val="1000"/>
+              </a:spcBef>
+              <a:spcAft>
+                <a:spcPts val="1000"/>
+              </a:spcAft>
+              <a:defRPr sz="2200">
+                <a:solidFill>
+                  <a:srgbClr val="FFFFFF"/>
+                </a:solidFill>
+              </a:defRPr>
+            </a:pPr>
+            <a:r>
+              <a:t>Understand 7. summary</a:t>
             </a:r>
           </a:p>
         </p:txBody>
@@ -9515,7 +9657,7 @@
               </a:defRPr>
             </a:pPr>
             <a:r>
-              <a:t>3.3 CLI Implementation (Case Study: Nebula Inc.) (Part 1)</a:t>
+              <a:t>3.2 Glance Architecture</a:t>
             </a:r>
           </a:p>
         </p:txBody>
@@ -9556,7 +9698,11 @@
               </a:defRPr>
             </a:pPr>
             <a:r>
-              <a:t>For any software company, consistency is key.</a:t>
+              <a:t>Glance API: The front-end service that accepts user requests (e.g., "Upload this</a:t>
+            </a:r>
+            <a:br/>
+            <a:r>
+              <a:t>                    image", "List images"). It verifies the user's token with Keystone before proceeding.</a:t>
             </a:r>
           </a:p>
           <a:p>
@@ -9574,11 +9720,11 @@
               </a:defRPr>
             </a:pPr>
             <a:r>
-              <a:t>We cannot have one developer running Ubuntu 20.04 and</a:t>
+              <a:t>Glance Registry: An internal service that stores the metadata about images</a:t>
             </a:r>
             <a:br/>
             <a:r>
-              <a:t>                another running Fedora 35, as this leads to the infamous "it works on my machine" problem.</a:t>
+              <a:t>                    (Name, Size, Format, Owner) in the SQL database.</a:t>
             </a:r>
           </a:p>
           <a:p>
@@ -9596,51 +9742,19 @@
               </a:defRPr>
             </a:pPr>
             <a:r>
-              <a:t>To solve</a:t>
+              <a:t>Backend Store: The driver responsible for storing the actual binary data</a:t>
             </a:r>
             <a:br/>
             <a:r>
-              <a:t>                this, Nebula Inc.</a:t>
-            </a:r>
-          </a:p>
-          <a:p>
-            <a:pPr>
-              <a:spcBef>
-                <a:spcPts val="800"/>
-              </a:spcBef>
-              <a:spcAft>
-                <a:spcPts val="800"/>
-              </a:spcAft>
-              <a:defRPr sz="2000">
-                <a:solidFill>
-                  <a:srgbClr val="FFFFFF"/>
-                </a:solidFill>
-              </a:defRPr>
-            </a:pPr>
-            <a:r>
-              <a:t>enforces a Standard Operating Environment (SOE).</a:t>
-            </a:r>
-          </a:p>
-          <a:p>
-            <a:pPr>
-              <a:spcBef>
-                <a:spcPts val="800"/>
-              </a:spcBef>
-              <a:spcAft>
-                <a:spcPts val="800"/>
-              </a:spcAft>
-              <a:defRPr sz="2000">
-                <a:solidFill>
-                  <a:srgbClr val="FFFFFF"/>
-                </a:solidFill>
-              </a:defRPr>
-            </a:pPr>
-            <a:r>
-              <a:t>We will upload a</a:t>
+              <a:t>                    (the heavy bits). While this can be a local file system (/var/lib/glance), production</a:t>
             </a:r>
             <a:br/>
             <a:r>
-              <a:t>                "Golden Image"—a pre-approved, security-hardened operating system template that all staff must use.</a:t>
+              <a:t>                    clouds typically use a distributed storage cluster like Ceph or an object store</a:t>
+            </a:r>
+            <a:br/>
+            <a:r>
+              <a:t>                    like AWS S3 to ensure data durability and accessibility across all compute nodes.</a:t>
             </a:r>
           </a:p>
         </p:txBody>
@@ -9725,7 +9839,7 @@
               </a:defRPr>
             </a:pPr>
             <a:r>
-              <a:t>3.3 CLI Implementation (Case Study: Nebula Inc.) (Part 2)</a:t>
+              <a:t>3.3 CLI Implementation (Case Study: Nebula Inc.) (Part 1)</a:t>
             </a:r>
           </a:p>
         </p:txBody>
@@ -9766,11 +9880,91 @@
               </a:defRPr>
             </a:pPr>
             <a:r>
-              <a:t>Explanation: We assume we are on the "Jumpbox" or Controller node. Browsers cannot</a:t>
+              <a:t>For any software company, consistency is key.</a:t>
+            </a:r>
+          </a:p>
+          <a:p>
+            <a:pPr>
+              <a:spcBef>
+                <a:spcPts val="800"/>
+              </a:spcBef>
+              <a:spcAft>
+                <a:spcPts val="800"/>
+              </a:spcAft>
+              <a:defRPr sz="2000">
+                <a:solidFill>
+                  <a:srgbClr val="FFFFFF"/>
+                </a:solidFill>
+              </a:defRPr>
+            </a:pPr>
+            <a:r>
+              <a:t>We cannot have one developer running Ubuntu 20.04 and</a:t>
             </a:r>
             <a:br/>
             <a:r>
-              <a:t>                    upload directly to Glance CLI; the file must exist locally.</a:t>
+              <a:t>                another running Fedora 35, as this leads to the infamous "it works on my machine" problem.</a:t>
+            </a:r>
+          </a:p>
+          <a:p>
+            <a:pPr>
+              <a:spcBef>
+                <a:spcPts val="800"/>
+              </a:spcBef>
+              <a:spcAft>
+                <a:spcPts val="800"/>
+              </a:spcAft>
+              <a:defRPr sz="2000">
+                <a:solidFill>
+                  <a:srgbClr val="FFFFFF"/>
+                </a:solidFill>
+              </a:defRPr>
+            </a:pPr>
+            <a:r>
+              <a:t>To solve</a:t>
+            </a:r>
+            <a:br/>
+            <a:r>
+              <a:t>                this, Nebula Inc.</a:t>
+            </a:r>
+          </a:p>
+          <a:p>
+            <a:pPr>
+              <a:spcBef>
+                <a:spcPts val="800"/>
+              </a:spcBef>
+              <a:spcAft>
+                <a:spcPts val="800"/>
+              </a:spcAft>
+              <a:defRPr sz="2000">
+                <a:solidFill>
+                  <a:srgbClr val="FFFFFF"/>
+                </a:solidFill>
+              </a:defRPr>
+            </a:pPr>
+            <a:r>
+              <a:t>enforces a Standard Operating Environment (SOE).</a:t>
+            </a:r>
+          </a:p>
+          <a:p>
+            <a:pPr>
+              <a:spcBef>
+                <a:spcPts val="800"/>
+              </a:spcBef>
+              <a:spcAft>
+                <a:spcPts val="800"/>
+              </a:spcAft>
+              <a:defRPr sz="2000">
+                <a:solidFill>
+                  <a:srgbClr val="FFFFFF"/>
+                </a:solidFill>
+              </a:defRPr>
+            </a:pPr>
+            <a:r>
+              <a:t>We will upload a</a:t>
+            </a:r>
+            <a:br/>
+            <a:r>
+              <a:t>                "Golden Image"—a pre-approved, security-hardened operating system template that all staff must use.</a:t>
             </a:r>
           </a:p>
         </p:txBody>
@@ -9855,7 +10049,7 @@
               </a:defRPr>
             </a:pPr>
             <a:r>
-              <a:t>3.4 Managing Images (Day 2 Operations) (Part 1)</a:t>
+              <a:t>3.3 CLI Implementation (Case Study: Nebula Inc.) (Part 2)</a:t>
             </a:r>
           </a:p>
         </p:txBody>
@@ -9896,87 +10090,11 @@
               </a:defRPr>
             </a:pPr>
             <a:r>
-              <a:t>Explanation: Returns a table of available images.</a:t>
-            </a:r>
-          </a:p>
-          <a:p>
-            <a:pPr>
-              <a:spcBef>
-                <a:spcPts val="800"/>
-              </a:spcBef>
-              <a:spcAft>
-                <a:spcPts val="800"/>
-              </a:spcAft>
-              <a:defRPr sz="2000">
-                <a:solidFill>
-                  <a:srgbClr val="FFFFFF"/>
-                </a:solidFill>
-              </a:defRPr>
-            </a:pPr>
-            <a:r>
-              <a:t>Result: Checks ID, Name, and Status. Status should be active. If</a:t>
+              <a:t>Explanation: We assume we are on the "Jumpbox" or Controller node. Browsers cannot</a:t>
             </a:r>
             <a:br/>
             <a:r>
-              <a:t>                    status is queued, the upload failed.</a:t>
-            </a:r>
-          </a:p>
-          <a:p>
-            <a:pPr>
-              <a:spcBef>
-                <a:spcPts val="800"/>
-              </a:spcBef>
-              <a:spcAft>
-                <a:spcPts val="800"/>
-              </a:spcAft>
-              <a:defRPr sz="2000">
-                <a:solidFill>
-                  <a:srgbClr val="FFFFFF"/>
-                </a:solidFill>
-              </a:defRPr>
-            </a:pPr>
-            <a:r>
-              <a:t>Explanation: Adds a custom key-value pair to the image metadata. The Scheduler use</a:t>
-            </a:r>
-            <a:br/>
-            <a:r>
-              <a:t>                    this to ensure the VM lands on Intel hardware, not ARM.</a:t>
-            </a:r>
-          </a:p>
-          <a:p>
-            <a:pPr>
-              <a:spcBef>
-                <a:spcPts val="800"/>
-              </a:spcBef>
-              <a:spcAft>
-                <a:spcPts val="800"/>
-              </a:spcAft>
-              <a:defRPr sz="2000">
-                <a:solidFill>
-                  <a:srgbClr val="FFFFFF"/>
-                </a:solidFill>
-              </a:defRPr>
-            </a:pPr>
-            <a:r>
-              <a:t>Result: The Glance Registry is updated; the actual file is untouched.</a:t>
-            </a:r>
-          </a:p>
-          <a:p>
-            <a:pPr>
-              <a:spcBef>
-                <a:spcPts val="800"/>
-              </a:spcBef>
-              <a:spcAft>
-                <a:spcPts val="800"/>
-              </a:spcAft>
-              <a:defRPr sz="2000">
-                <a:solidFill>
-                  <a:srgbClr val="FFFFFF"/>
-                </a:solidFill>
-              </a:defRPr>
-            </a:pPr>
-            <a:r>
-              <a:t>Explanation: Marks the image for deletion.</a:t>
+              <a:t>                    upload directly to Glance CLI; the file must exist locally.</a:t>
             </a:r>
           </a:p>
         </p:txBody>
@@ -10061,7 +10179,7 @@
               </a:defRPr>
             </a:pPr>
             <a:r>
-              <a:t>3.4 Managing Images (Day 2 Operations) (Part 2)</a:t>
+              <a:t>3.4 Managing Images (Day 2 Operations) (Part 1)</a:t>
             </a:r>
           </a:p>
         </p:txBody>
@@ -10102,11 +10220,87 @@
               </a:defRPr>
             </a:pPr>
             <a:r>
-              <a:t>Result: The metadata is removed from the Registry, and the backend storage driver</a:t>
+              <a:t>Explanation: Returns a table of available images.</a:t>
+            </a:r>
+          </a:p>
+          <a:p>
+            <a:pPr>
+              <a:spcBef>
+                <a:spcPts val="800"/>
+              </a:spcBef>
+              <a:spcAft>
+                <a:spcPts val="800"/>
+              </a:spcAft>
+              <a:defRPr sz="2000">
+                <a:solidFill>
+                  <a:srgbClr val="FFFFFF"/>
+                </a:solidFill>
+              </a:defRPr>
+            </a:pPr>
+            <a:r>
+              <a:t>Result: Checks ID, Name, and Status. Status should be active. If</a:t>
             </a:r>
             <a:br/>
             <a:r>
-              <a:t>                    (Ceph/File) is instructed to free the space.</a:t>
+              <a:t>                    status is queued, the upload failed.</a:t>
+            </a:r>
+          </a:p>
+          <a:p>
+            <a:pPr>
+              <a:spcBef>
+                <a:spcPts val="800"/>
+              </a:spcBef>
+              <a:spcAft>
+                <a:spcPts val="800"/>
+              </a:spcAft>
+              <a:defRPr sz="2000">
+                <a:solidFill>
+                  <a:srgbClr val="FFFFFF"/>
+                </a:solidFill>
+              </a:defRPr>
+            </a:pPr>
+            <a:r>
+              <a:t>Explanation: Adds a custom key-value pair to the image metadata. The Scheduler use</a:t>
+            </a:r>
+            <a:br/>
+            <a:r>
+              <a:t>                    this to ensure the VM lands on Intel hardware, not ARM.</a:t>
+            </a:r>
+          </a:p>
+          <a:p>
+            <a:pPr>
+              <a:spcBef>
+                <a:spcPts val="800"/>
+              </a:spcBef>
+              <a:spcAft>
+                <a:spcPts val="800"/>
+              </a:spcAft>
+              <a:defRPr sz="2000">
+                <a:solidFill>
+                  <a:srgbClr val="FFFFFF"/>
+                </a:solidFill>
+              </a:defRPr>
+            </a:pPr>
+            <a:r>
+              <a:t>Result: The Glance Registry is updated; the actual file is untouched.</a:t>
+            </a:r>
+          </a:p>
+          <a:p>
+            <a:pPr>
+              <a:spcBef>
+                <a:spcPts val="800"/>
+              </a:spcBef>
+              <a:spcAft>
+                <a:spcPts val="800"/>
+              </a:spcAft>
+              <a:defRPr sz="2000">
+                <a:solidFill>
+                  <a:srgbClr val="FFFFFF"/>
+                </a:solidFill>
+              </a:defRPr>
+            </a:pPr>
+            <a:r>
+              <a:t>Explanation: Marks the image for deletion.</a:t>
             </a:r>
           </a:p>
         </p:txBody>
@@ -10191,7 +10385,7 @@
               </a:defRPr>
             </a:pPr>
             <a:r>
-              <a:t>Section 3 Checkpoint (Part 1)</a:t>
+              <a:t>3.4 Managing Images (Day 2 Operations) (Part 2)</a:t>
             </a:r>
           </a:p>
         </p:txBody>
@@ -10232,91 +10426,11 @@
               </a:defRPr>
             </a:pPr>
             <a:r>
-              <a:t>Glance: The image repository that provides boot disks to Nova.</a:t>
-            </a:r>
-          </a:p>
-          <a:p>
-            <a:pPr>
-              <a:spcBef>
-                <a:spcPts val="800"/>
-              </a:spcBef>
-              <a:spcAft>
-                <a:spcPts val="800"/>
-              </a:spcAft>
-              <a:defRPr sz="2000">
-                <a:solidFill>
-                  <a:srgbClr val="FFFFFF"/>
-                </a:solidFill>
-              </a:defRPr>
-            </a:pPr>
-            <a:r>
-              <a:t>QCOW2: The preferred format for cloud images due to thin provisioning and snapshot</a:t>
+              <a:t>Result: The metadata is removed from the Registry, and the backend storage driver</a:t>
             </a:r>
             <a:br/>
             <a:r>
-              <a:t>                    support.</a:t>
-            </a:r>
-          </a:p>
-          <a:p>
-            <a:pPr>
-              <a:spcBef>
-                <a:spcPts val="800"/>
-              </a:spcBef>
-              <a:spcAft>
-                <a:spcPts val="800"/>
-              </a:spcAft>
-              <a:defRPr sz="2000">
-                <a:solidFill>
-                  <a:srgbClr val="FFFFFF"/>
-                </a:solidFill>
-              </a:defRPr>
-            </a:pPr>
-            <a:r>
-              <a:t>SOE: Standard Operating Environment ensuring consistency across all machines.</a:t>
-            </a:r>
-          </a:p>
-          <a:p>
-            <a:pPr>
-              <a:spcBef>
-                <a:spcPts val="800"/>
-              </a:spcBef>
-              <a:spcAft>
-                <a:spcPts val="800"/>
-              </a:spcAft>
-              <a:defRPr sz="2000">
-                <a:solidFill>
-                  <a:srgbClr val="FFFFFF"/>
-                </a:solidFill>
-              </a:defRPr>
-            </a:pPr>
-            <a:r>
-              <a:t>Reflection:</a:t>
-            </a:r>
-            <a:br/>
-            <a:r>
-              <a:t>                1.</a:t>
-            </a:r>
-          </a:p>
-          <a:p>
-            <a:pPr>
-              <a:spcBef>
-                <a:spcPts val="800"/>
-              </a:spcBef>
-              <a:spcAft>
-                <a:spcPts val="800"/>
-              </a:spcAft>
-              <a:defRPr sz="2000">
-                <a:solidFill>
-                  <a:srgbClr val="FFFFFF"/>
-                </a:solidFill>
-              </a:defRPr>
-            </a:pPr>
-            <a:r>
-              <a:t>If you have a slow 1Gb link interconnecting your data centers, which image format (RAW or QCOW2)</a:t>
-            </a:r>
-            <a:br/>
-            <a:r>
-              <a:t>                would be faster to replicate?</a:t>
+              <a:t>                    (Ceph/File) is instructed to free the space.</a:t>
             </a:r>
           </a:p>
         </p:txBody>
@@ -10401,7 +10515,7 @@
               </a:defRPr>
             </a:pPr>
             <a:r>
-              <a:t>Section 3 Checkpoint (Part 2)</a:t>
+              <a:t>Section 3 Checkpoint (Part 1)</a:t>
             </a:r>
           </a:p>
         </p:txBody>
@@ -10442,7 +10556,7 @@
               </a:defRPr>
             </a:pPr>
             <a:r>
-              <a:t>Why?</a:t>
+              <a:t>Glance: The image repository that provides boot disks to Nova.</a:t>
             </a:r>
           </a:p>
           <a:p>
@@ -10460,7 +10574,11 @@
               </a:defRPr>
             </a:pPr>
             <a:r>
-              <a:t>2.</a:t>
+              <a:t>QCOW2: The preferred format for cloud images due to thin provisioning and snapshot</a:t>
+            </a:r>
+            <a:br/>
+            <a:r>
+              <a:t>                    support.</a:t>
             </a:r>
           </a:p>
           <a:p>
@@ -10478,7 +10596,7 @@
               </a:defRPr>
             </a:pPr>
             <a:r>
-              <a:t>Why is it dangerous to make every image --public?</a:t>
+              <a:t>SOE: Standard Operating Environment ensuring consistency across all machines.</a:t>
             </a:r>
           </a:p>
           <a:p>
@@ -10496,7 +10614,11 @@
               </a:defRPr>
             </a:pPr>
             <a:r>
-              <a:t>OpenStack Glance Guide</a:t>
+              <a:t>Reflection:</a:t>
+            </a:r>
+            <a:br/>
+            <a:r>
+              <a:t>                1.</a:t>
             </a:r>
           </a:p>
           <a:p>
@@ -10514,11 +10636,11 @@
               </a:defRPr>
             </a:pPr>
             <a:r>
-              <a:t>AWS AMIs (Amazon Machine</a:t>
+              <a:t>If you have a slow 1Gb link interconnecting your data centers, which image format (RAW or QCOW2)</a:t>
             </a:r>
             <a:br/>
             <a:r>
-              <a:t>                        Images)</a:t>
+              <a:t>                would be faster to replicate?</a:t>
             </a:r>
           </a:p>
         </p:txBody>
@@ -10603,7 +10725,7 @@
               </a:defRPr>
             </a:pPr>
             <a:r>
-              <a:t>Section 3 Checkpoint (Part 3)</a:t>
+              <a:t>Section 3 Checkpoint (Part 2)</a:t>
             </a:r>
           </a:p>
         </p:txBody>
@@ -10644,11 +10766,83 @@
               </a:defRPr>
             </a:pPr>
             <a:r>
-              <a:t>Azure</a:t>
+              <a:t>Why?</a:t>
+            </a:r>
+          </a:p>
+          <a:p>
+            <a:pPr>
+              <a:spcBef>
+                <a:spcPts val="800"/>
+              </a:spcBef>
+              <a:spcAft>
+                <a:spcPts val="800"/>
+              </a:spcAft>
+              <a:defRPr sz="2000">
+                <a:solidFill>
+                  <a:srgbClr val="FFFFFF"/>
+                </a:solidFill>
+              </a:defRPr>
+            </a:pPr>
+            <a:r>
+              <a:t>2.</a:t>
+            </a:r>
+          </a:p>
+          <a:p>
+            <a:pPr>
+              <a:spcBef>
+                <a:spcPts val="800"/>
+              </a:spcBef>
+              <a:spcAft>
+                <a:spcPts val="800"/>
+              </a:spcAft>
+              <a:defRPr sz="2000">
+                <a:solidFill>
+                  <a:srgbClr val="FFFFFF"/>
+                </a:solidFill>
+              </a:defRPr>
+            </a:pPr>
+            <a:r>
+              <a:t>Why is it dangerous to make every image --public?</a:t>
+            </a:r>
+          </a:p>
+          <a:p>
+            <a:pPr>
+              <a:spcBef>
+                <a:spcPts val="800"/>
+              </a:spcBef>
+              <a:spcAft>
+                <a:spcPts val="800"/>
+              </a:spcAft>
+              <a:defRPr sz="2000">
+                <a:solidFill>
+                  <a:srgbClr val="FFFFFF"/>
+                </a:solidFill>
+              </a:defRPr>
+            </a:pPr>
+            <a:r>
+              <a:t>OpenStack Glance Guide</a:t>
+            </a:r>
+          </a:p>
+          <a:p>
+            <a:pPr>
+              <a:spcBef>
+                <a:spcPts val="800"/>
+              </a:spcBef>
+              <a:spcAft>
+                <a:spcPts val="800"/>
+              </a:spcAft>
+              <a:defRPr sz="2000">
+                <a:solidFill>
+                  <a:srgbClr val="FFFFFF"/>
+                </a:solidFill>
+              </a:defRPr>
+            </a:pPr>
+            <a:r>
+              <a:t>AWS AMIs (Amazon Machine</a:t>
             </a:r>
             <a:br/>
             <a:r>
-              <a:t>                        Compute Gallery</a:t>
+              <a:t>                        Images)</a:t>
             </a:r>
           </a:p>
         </p:txBody>
@@ -10662,6 +10856,136 @@
 </file>
 
 <file path=ppt/slides/slide27.xml><?xml version="1.0" encoding="utf-8"?>
+<p:sld xmlns:a="http://schemas.openxmlformats.org/drawingml/2006/main" xmlns:p="http://schemas.openxmlformats.org/presentationml/2006/main" xmlns:r="http://schemas.openxmlformats.org/officeDocument/2006/relationships">
+  <p:cSld>
+    <p:bg>
+      <p:bgPr>
+        <a:solidFill>
+          <a:srgbClr val="142A46"/>
+        </a:solidFill>
+        <a:effectLst/>
+      </p:bgPr>
+    </p:bg>
+    <p:spTree>
+      <p:nvGrpSpPr>
+        <p:cNvPr id="1" name=""/>
+        <p:cNvGrpSpPr/>
+        <p:nvPr/>
+      </p:nvGrpSpPr>
+      <p:grpSpPr/>
+      <p:pic>
+        <p:nvPicPr>
+          <p:cNvPr id="2" name="Picture 1" descr="ops3_logo.png"/>
+          <p:cNvPicPr>
+            <a:picLocks noChangeAspect="1"/>
+          </p:cNvPicPr>
+          <p:nvPr/>
+        </p:nvPicPr>
+        <p:blipFill>
+          <a:blip r:embed="rId2"/>
+          <a:stretch>
+            <a:fillRect/>
+          </a:stretch>
+        </p:blipFill>
+        <p:spPr>
+          <a:xfrm>
+            <a:off x="274320" y="274320"/>
+            <a:ext cx="581649" cy="548640"/>
+          </a:xfrm>
+          <a:prstGeom prst="rect">
+            <a:avLst/>
+          </a:prstGeom>
+        </p:spPr>
+      </p:pic>
+      <p:sp>
+        <p:nvSpPr>
+          <p:cNvPr id="3" name="TextBox 2"/>
+          <p:cNvSpPr txBox="1"/>
+          <p:nvPr/>
+        </p:nvSpPr>
+        <p:spPr>
+          <a:xfrm>
+            <a:off x="457200" y="914400"/>
+            <a:ext cx="8229600" cy="640080"/>
+          </a:xfrm>
+          <a:prstGeom prst="rect">
+            <a:avLst/>
+          </a:prstGeom>
+          <a:noFill/>
+        </p:spPr>
+        <p:txBody>
+          <a:bodyPr wrap="none">
+            <a:spAutoFit/>
+          </a:bodyPr>
+          <a:lstStyle/>
+          <a:p>
+            <a:pPr>
+              <a:defRPr sz="3200" b="1">
+                <a:solidFill>
+                  <a:srgbClr val="C9984A"/>
+                </a:solidFill>
+              </a:defRPr>
+            </a:pPr>
+            <a:r>
+              <a:t>Section 3 Checkpoint (Part 3)</a:t>
+            </a:r>
+          </a:p>
+        </p:txBody>
+      </p:sp>
+      <p:sp>
+        <p:nvSpPr>
+          <p:cNvPr id="4" name="TextBox 3"/>
+          <p:cNvSpPr txBox="1"/>
+          <p:nvPr/>
+        </p:nvSpPr>
+        <p:spPr>
+          <a:xfrm>
+            <a:off x="731520" y="1737360"/>
+            <a:ext cx="7680960" cy="4389120"/>
+          </a:xfrm>
+          <a:prstGeom prst="rect">
+            <a:avLst/>
+          </a:prstGeom>
+          <a:noFill/>
+        </p:spPr>
+        <p:txBody>
+          <a:bodyPr wrap="square">
+            <a:spAutoFit/>
+          </a:bodyPr>
+          <a:lstStyle/>
+          <a:p>
+            <a:pPr>
+              <a:spcBef>
+                <a:spcPts val="800"/>
+              </a:spcBef>
+              <a:spcAft>
+                <a:spcPts val="800"/>
+              </a:spcAft>
+              <a:defRPr sz="2000">
+                <a:solidFill>
+                  <a:srgbClr val="FFFFFF"/>
+                </a:solidFill>
+              </a:defRPr>
+            </a:pPr>
+            <a:r>
+              <a:t>Azure</a:t>
+            </a:r>
+            <a:br/>
+            <a:r>
+              <a:t>                        Compute Gallery</a:t>
+            </a:r>
+          </a:p>
+        </p:txBody>
+      </p:sp>
+    </p:spTree>
+  </p:cSld>
+  <p:clrMapOvr>
+    <a:masterClrMapping/>
+  </p:clrMapOvr>
+</p:sld>
+</file>
+
+<file path=ppt/slides/slide28.xml><?xml version="1.0" encoding="utf-8"?>
 <p:sld xmlns:a="http://schemas.openxmlformats.org/drawingml/2006/main" xmlns:p="http://schemas.openxmlformats.org/presentationml/2006/main" xmlns:r="http://schemas.openxmlformats.org/officeDocument/2006/relationships">
   <p:cSld>
     <p:bg>
@@ -10734,220 +11058,6 @@
             </a:pPr>
             <a:r>
               <a:t>4. Deep Dive: Networking (Neutron)</a:t>
-            </a:r>
-          </a:p>
-        </p:txBody>
-      </p:sp>
-    </p:spTree>
-  </p:cSld>
-  <p:clrMapOvr>
-    <a:masterClrMapping/>
-  </p:clrMapOvr>
-</p:sld>
-</file>
-
-<file path=ppt/slides/slide28.xml><?xml version="1.0" encoding="utf-8"?>
-<p:sld xmlns:a="http://schemas.openxmlformats.org/drawingml/2006/main" xmlns:p="http://schemas.openxmlformats.org/presentationml/2006/main" xmlns:r="http://schemas.openxmlformats.org/officeDocument/2006/relationships">
-  <p:cSld>
-    <p:bg>
-      <p:bgPr>
-        <a:solidFill>
-          <a:srgbClr val="142A46"/>
-        </a:solidFill>
-        <a:effectLst/>
-      </p:bgPr>
-    </p:bg>
-    <p:spTree>
-      <p:nvGrpSpPr>
-        <p:cNvPr id="1" name=""/>
-        <p:cNvGrpSpPr/>
-        <p:nvPr/>
-      </p:nvGrpSpPr>
-      <p:grpSpPr/>
-      <p:pic>
-        <p:nvPicPr>
-          <p:cNvPr id="2" name="Picture 1" descr="ops3_logo.png"/>
-          <p:cNvPicPr>
-            <a:picLocks noChangeAspect="1"/>
-          </p:cNvPicPr>
-          <p:nvPr/>
-        </p:nvPicPr>
-        <p:blipFill>
-          <a:blip r:embed="rId2"/>
-          <a:stretch>
-            <a:fillRect/>
-          </a:stretch>
-        </p:blipFill>
-        <p:spPr>
-          <a:xfrm>
-            <a:off x="274320" y="274320"/>
-            <a:ext cx="581649" cy="548640"/>
-          </a:xfrm>
-          <a:prstGeom prst="rect">
-            <a:avLst/>
-          </a:prstGeom>
-        </p:spPr>
-      </p:pic>
-      <p:sp>
-        <p:nvSpPr>
-          <p:cNvPr id="3" name="TextBox 2"/>
-          <p:cNvSpPr txBox="1"/>
-          <p:nvPr/>
-        </p:nvSpPr>
-        <p:spPr>
-          <a:xfrm>
-            <a:off x="457200" y="914400"/>
-            <a:ext cx="8229600" cy="640080"/>
-          </a:xfrm>
-          <a:prstGeom prst="rect">
-            <a:avLst/>
-          </a:prstGeom>
-          <a:noFill/>
-        </p:spPr>
-        <p:txBody>
-          <a:bodyPr wrap="none">
-            <a:spAutoFit/>
-          </a:bodyPr>
-          <a:lstStyle/>
-          <a:p>
-            <a:pPr>
-              <a:defRPr sz="3200" b="1">
-                <a:solidFill>
-                  <a:srgbClr val="C9984A"/>
-                </a:solidFill>
-              </a:defRPr>
-            </a:pPr>
-            <a:r>
-              <a:t>4.1 What is SDN (Software Defined Networking)? (Part 1)</a:t>
-            </a:r>
-          </a:p>
-        </p:txBody>
-      </p:sp>
-      <p:sp>
-        <p:nvSpPr>
-          <p:cNvPr id="4" name="TextBox 3"/>
-          <p:cNvSpPr txBox="1"/>
-          <p:nvPr/>
-        </p:nvSpPr>
-        <p:spPr>
-          <a:xfrm>
-            <a:off x="731520" y="1737360"/>
-            <a:ext cx="7680960" cy="4389120"/>
-          </a:xfrm>
-          <a:prstGeom prst="rect">
-            <a:avLst/>
-          </a:prstGeom>
-          <a:noFill/>
-        </p:spPr>
-        <p:txBody>
-          <a:bodyPr wrap="square">
-            <a:spAutoFit/>
-          </a:bodyPr>
-          <a:lstStyle/>
-          <a:p>
-            <a:pPr>
-              <a:spcBef>
-                <a:spcPts val="800"/>
-              </a:spcBef>
-              <a:spcAft>
-                <a:spcPts val="800"/>
-              </a:spcAft>
-              <a:defRPr sz="2000">
-                <a:solidFill>
-                  <a:srgbClr val="FFFFFF"/>
-                </a:solidFill>
-              </a:defRPr>
-            </a:pPr>
-            <a:r>
-              <a:t>Network Engineers often rely on physical switches and routers to move traffic.</a:t>
-            </a:r>
-          </a:p>
-          <a:p>
-            <a:pPr>
-              <a:spcBef>
-                <a:spcPts val="800"/>
-              </a:spcBef>
-              <a:spcAft>
-                <a:spcPts val="800"/>
-              </a:spcAft>
-              <a:defRPr sz="2000">
-                <a:solidFill>
-                  <a:srgbClr val="FFFFFF"/>
-                </a:solidFill>
-              </a:defRPr>
-            </a:pPr>
-            <a:r>
-              <a:t>In the cloud, we</a:t>
-            </a:r>
-            <a:br/>
-            <a:r>
-              <a:t>                virtualize this entirely using Software Defined Networking (SDN).</a:t>
-            </a:r>
-          </a:p>
-          <a:p>
-            <a:pPr>
-              <a:spcBef>
-                <a:spcPts val="800"/>
-              </a:spcBef>
-              <a:spcAft>
-                <a:spcPts val="800"/>
-              </a:spcAft>
-              <a:defRPr sz="2000">
-                <a:solidFill>
-                  <a:srgbClr val="FFFFFF"/>
-                </a:solidFill>
-              </a:defRPr>
-            </a:pPr>
-            <a:r>
-              <a:t>The core concept of</a:t>
-            </a:r>
-            <a:br/>
-            <a:r>
-              <a:t>                SDN is the separation of the Control Plane (The Brain) from the Data</a:t>
-            </a:r>
-            <a:br/>
-            <a:r>
-              <a:t>                    Plane (The Muscle).</a:t>
-            </a:r>
-          </a:p>
-          <a:p>
-            <a:pPr>
-              <a:spcBef>
-                <a:spcPts val="800"/>
-              </a:spcBef>
-              <a:spcAft>
-                <a:spcPts val="800"/>
-              </a:spcAft>
-              <a:defRPr sz="2000">
-                <a:solidFill>
-                  <a:srgbClr val="FFFFFF"/>
-                </a:solidFill>
-              </a:defRPr>
-            </a:pPr>
-            <a:r>
-              <a:t>The Control Plane (Neutron API/Server) acts as the brain of the operation.</a:t>
-            </a:r>
-          </a:p>
-          <a:p>
-            <a:pPr>
-              <a:spcBef>
-                <a:spcPts val="800"/>
-              </a:spcBef>
-              <a:spcAft>
-                <a:spcPts val="800"/>
-              </a:spcAft>
-              <a:defRPr sz="2000">
-                <a:solidFill>
-                  <a:srgbClr val="FFFFFF"/>
-                </a:solidFill>
-              </a:defRPr>
-            </a:pPr>
-            <a:r>
-              <a:t>When you</a:t>
-            </a:r>
-            <a:br/>
-            <a:r>
-              <a:t>                execute a command to create a network or open port 80, you are communicating with the Control Plane.</a:t>
             </a:r>
           </a:p>
         </p:txBody>
@@ -11032,7 +11142,7 @@
               </a:defRPr>
             </a:pPr>
             <a:r>
-              <a:t>4.1 What is SDN (Software Defined Networking)? (Part 2)</a:t>
+              <a:t>4.1 What is SDN (Software Defined Networking)? (Part 1)</a:t>
             </a:r>
           </a:p>
         </p:txBody>
@@ -11073,15 +11183,7 @@
               </a:defRPr>
             </a:pPr>
             <a:r>
-              <a:t>It</a:t>
-            </a:r>
-            <a:br/>
-            <a:r>
-              <a:t>                calculates the necessary logic and updates the state of the cloud database, but it does not touch a</a:t>
-            </a:r>
-            <a:br/>
-            <a:r>
-              <a:t>                single network packet itself.</a:t>
+              <a:t>Network Engineers often rely on physical switches and routers to move traffic.</a:t>
             </a:r>
           </a:p>
           <a:p>
@@ -11099,7 +11201,11 @@
               </a:defRPr>
             </a:pPr>
             <a:r>
-              <a:t>The Data Plane (OVS Agent/L2 Agent) sits on every compute node and acts as the muscle.</a:t>
+              <a:t>In the cloud, we</a:t>
+            </a:r>
+            <a:br/>
+            <a:r>
+              <a:t>                virtualize this entirely using Software Defined Networking (SDN).</a:t>
             </a:r>
           </a:p>
           <a:p>
@@ -11117,11 +11223,15 @@
               </a:defRPr>
             </a:pPr>
             <a:r>
-              <a:t>It receives instructions from the Control Plane via a message bus (RabbitMQ) and implements them by</a:t>
+              <a:t>The core concept of</a:t>
             </a:r>
             <a:br/>
             <a:r>
-              <a:t>                programming the local virtual switch.</a:t>
+              <a:t>                SDN is the separation of the Control Plane (The Brain) from the Data</a:t>
+            </a:r>
+            <a:br/>
+            <a:r>
+              <a:t>                    Plane (The Muscle).</a:t>
             </a:r>
           </a:p>
           <a:p>
@@ -11139,11 +11249,29 @@
               </a:defRPr>
             </a:pPr>
             <a:r>
-              <a:t>It is the actual software responsible for moving packets from your</a:t>
+              <a:t>The Control Plane (Neutron API/Server) acts as the brain of the operation.</a:t>
+            </a:r>
+          </a:p>
+          <a:p>
+            <a:pPr>
+              <a:spcBef>
+                <a:spcPts val="800"/>
+              </a:spcBef>
+              <a:spcAft>
+                <a:spcPts val="800"/>
+              </a:spcAft>
+              <a:defRPr sz="2000">
+                <a:solidFill>
+                  <a:srgbClr val="FFFFFF"/>
+                </a:solidFill>
+              </a:defRPr>
+            </a:pPr>
+            <a:r>
+              <a:t>When you</a:t>
             </a:r>
             <a:br/>
             <a:r>
-              <a:t>                VM to the physical network card.</a:t>
+              <a:t>                execute a command to create a network or open port 80, you are communicating with the Control Plane.</a:t>
             </a:r>
           </a:p>
         </p:txBody>
@@ -11162,7 +11290,7 @@
     <p:bg>
       <p:bgPr>
         <a:solidFill>
-          <a:srgbClr val="142A46"/>
+          <a:srgbClr val="1E3A5F"/>
         </a:solidFill>
         <a:effectLst/>
       </p:bgPr>
@@ -11206,8 +11334,8 @@
         </p:nvSpPr>
         <p:spPr>
           <a:xfrm>
-            <a:off x="457200" y="914400"/>
-            <a:ext cx="8229600" cy="640080"/>
+            <a:off x="914400" y="2286000"/>
+            <a:ext cx="7315200" cy="1828800"/>
           </a:xfrm>
           <a:prstGeom prst="rect">
             <a:avLst/>
@@ -11215,161 +11343,20 @@
           <a:noFill/>
         </p:spPr>
         <p:txBody>
-          <a:bodyPr wrap="none">
-            <a:spAutoFit/>
-          </a:bodyPr>
-          <a:lstStyle/>
-          <a:p>
-            <a:pPr>
-              <a:defRPr sz="3200" b="1">
-                <a:solidFill>
-                  <a:srgbClr val="C9984A"/>
-                </a:solidFill>
-              </a:defRPr>
-            </a:pPr>
-            <a:r>
-              <a:t>1. Case Study: The "Nebula Inc." Startup (Part 1)</a:t>
-            </a:r>
-          </a:p>
-        </p:txBody>
-      </p:sp>
-      <p:sp>
-        <p:nvSpPr>
-          <p:cNvPr id="4" name="TextBox 3"/>
-          <p:cNvSpPr txBox="1"/>
-          <p:nvPr/>
-        </p:nvSpPr>
-        <p:spPr>
-          <a:xfrm>
-            <a:off x="731520" y="1737360"/>
-            <a:ext cx="7680960" cy="4389120"/>
-          </a:xfrm>
-          <a:prstGeom prst="rect">
-            <a:avLst/>
-          </a:prstGeom>
-          <a:noFill/>
-        </p:spPr>
-        <p:txBody>
           <a:bodyPr wrap="square">
             <a:spAutoFit/>
           </a:bodyPr>
           <a:lstStyle/>
           <a:p>
-            <a:pPr>
-              <a:spcBef>
-                <a:spcPts val="800"/>
-              </a:spcBef>
-              <a:spcAft>
-                <a:spcPts val="800"/>
-              </a:spcAft>
-              <a:defRPr sz="2000">
-                <a:solidFill>
-                  <a:srgbClr val="FFFFFF"/>
-                </a:solidFill>
-              </a:defRPr>
-            </a:pPr>
-            <a:r>
-              <a:t>To understand how a cloud is built, we will follow a continuous scenario for the next three weeks.</a:t>
-            </a:r>
-          </a:p>
-          <a:p>
-            <a:pPr>
-              <a:spcBef>
-                <a:spcPts val="800"/>
-              </a:spcBef>
-              <a:spcAft>
-                <a:spcPts val="800"/>
-              </a:spcAft>
-              <a:defRPr sz="2000">
-                <a:solidFill>
-                  <a:srgbClr val="FFFFFF"/>
-                </a:solidFill>
-              </a:defRPr>
-            </a:pPr>
-            <a:r>
-              <a:t>You</a:t>
-            </a:r>
-            <a:br/>
-            <a:r>
-              <a:t>                have been hired as the Lead Cloud Engineer for a new software startup called "Nebula</a:t>
-            </a:r>
-            <a:br/>
-            <a:r>
-              <a:t>                    Inc." Currently, they have no infrastructure—just a credit card and a dream.</a:t>
-            </a:r>
-          </a:p>
-          <a:p>
-            <a:pPr>
-              <a:spcBef>
-                <a:spcPts val="800"/>
-              </a:spcBef>
-              <a:spcAft>
-                <a:spcPts val="800"/>
-              </a:spcAft>
-              <a:defRPr sz="2000">
-                <a:solidFill>
-                  <a:srgbClr val="FFFFFF"/>
-                </a:solidFill>
-              </a:defRPr>
-            </a:pPr>
-            <a:r>
-              <a:t>Your job is to</a:t>
-            </a:r>
-            <a:br/>
-            <a:r>
-              <a:t>                build their Virtual Data Center (VDC) from scratch using OpenStack.</a:t>
-            </a:r>
-          </a:p>
-          <a:p>
-            <a:pPr>
-              <a:spcBef>
-                <a:spcPts val="800"/>
-              </a:spcBef>
-              <a:spcAft>
-                <a:spcPts val="800"/>
-              </a:spcAft>
-              <a:defRPr sz="2000">
-                <a:solidFill>
-                  <a:srgbClr val="FFFFFF"/>
-                </a:solidFill>
-              </a:defRPr>
-            </a:pPr>
-            <a:r>
-              <a:t>This is not a theoretical exercise;</a:t>
-            </a:r>
-            <a:br/>
-            <a:r>
-              <a:t>                you will be typing the actual commands that cloud administrators use daily to construct the digital</a:t>
-            </a:r>
-            <a:br/>
-            <a:r>
-              <a:t>                fabric of the modern internet.</a:t>
-            </a:r>
-          </a:p>
-          <a:p>
-            <a:pPr>
-              <a:spcBef>
-                <a:spcPts val="800"/>
-              </a:spcBef>
-              <a:spcAft>
-                <a:spcPts val="800"/>
-              </a:spcAft>
-              <a:defRPr sz="2000">
-                <a:solidFill>
-                  <a:srgbClr val="FFFFFF"/>
-                </a:solidFill>
-              </a:defRPr>
-            </a:pPr>
-            <a:r>
-              <a:t>Week 8 (Foundation): You must create the secure environment. This involves setting</a:t>
-            </a:r>
-            <a:br/>
-            <a:r>
-              <a:t>                    up the company's "Tenant" (Project), hiring the staff (Users), purchasing the software licenses</a:t>
-            </a:r>
-            <a:br/>
-            <a:r>
-              <a:t>                    (Images), and cabling the office (Networking).</a:t>
+            <a:pPr algn="ctr">
+              <a:defRPr sz="4800" b="1">
+                <a:solidFill>
+                  <a:srgbClr val="C9984A"/>
+                </a:solidFill>
+              </a:defRPr>
+            </a:pPr>
+            <a:r>
+              <a:t>Welcome to Week 8!</a:t>
             </a:r>
           </a:p>
         </p:txBody>
@@ -11454,7 +11441,7 @@
               </a:defRPr>
             </a:pPr>
             <a:r>
-              <a:t>4.2 The Virtual Switch: Open vSwitch (OVS)</a:t>
+              <a:t>4.1 What is SDN (Software Defined Networking)? (Part 2)</a:t>
             </a:r>
           </a:p>
         </p:txBody>
@@ -11495,7 +11482,15 @@
               </a:defRPr>
             </a:pPr>
             <a:r>
-              <a:t>In a physical rack, servers plug into a top-of-rack switch.</a:t>
+              <a:t>It</a:t>
+            </a:r>
+            <a:br/>
+            <a:r>
+              <a:t>                calculates the necessary logic and updates the state of the cloud database, but it does not touch a</a:t>
+            </a:r>
+            <a:br/>
+            <a:r>
+              <a:t>                single network packet itself.</a:t>
             </a:r>
           </a:p>
           <a:p>
@@ -11513,11 +11508,7 @@
               </a:defRPr>
             </a:pPr>
             <a:r>
-              <a:t>In OpenStack, VMs plug into a virtual switch</a:t>
-            </a:r>
-            <a:br/>
-            <a:r>
-              <a:t>                called Open vSwitch (OVS).</a:t>
+              <a:t>The Data Plane (OVS Agent/L2 Agent) sits on every compute node and acts as the muscle.</a:t>
             </a:r>
           </a:p>
           <a:p>
@@ -11535,15 +11526,11 @@
               </a:defRPr>
             </a:pPr>
             <a:r>
-              <a:t>Unlike a standard unmanaged switch that simply learns MAC</a:t>
+              <a:t>It receives instructions from the Control Plane via a message bus (RabbitMQ) and implements them by</a:t>
             </a:r>
             <a:br/>
             <a:r>
-              <a:t>                addresses, OVS is a production-quality, multilayer virtual switch that uses Flow</a:t>
-            </a:r>
-            <a:br/>
-            <a:r>
-              <a:t>                    Tables.</a:t>
+              <a:t>                programming the local virtual switch.</a:t>
             </a:r>
           </a:p>
           <a:p>
@@ -11561,37 +11548,11 @@
               </a:defRPr>
             </a:pPr>
             <a:r>
-              <a:t>A Flow Table is a list of programmable rules that match specific packets (e.g., "If</a:t>
+              <a:t>It is the actual software responsible for moving packets from your</a:t>
             </a:r>
             <a:br/>
             <a:r>
-              <a:t>                source IP is A and dest IP is B...") and applies specific actions (e.g., "...drop packet" or "...tag</a:t>
-            </a:r>
-            <a:br/>
-            <a:r>
-              <a:t>                with VLAN 100").</a:t>
-            </a:r>
-          </a:p>
-          <a:p>
-            <a:pPr>
-              <a:spcBef>
-                <a:spcPts val="800"/>
-              </a:spcBef>
-              <a:spcAft>
-                <a:spcPts val="800"/>
-              </a:spcAft>
-              <a:defRPr sz="2000">
-                <a:solidFill>
-                  <a:srgbClr val="FFFFFF"/>
-                </a:solidFill>
-              </a:defRPr>
-            </a:pPr>
-            <a:r>
-              <a:t>Neutron programs these flow tables dynamically to implement sophisticated features like</a:t>
-            </a:r>
-            <a:br/>
-            <a:r>
-              <a:t>                Security Groups (Distributed Firewalls) and Virtual Routing.</a:t>
+              <a:t>                VM to the physical network card.</a:t>
             </a:r>
           </a:p>
         </p:txBody>
@@ -11676,7 +11637,7 @@
               </a:defRPr>
             </a:pPr>
             <a:r>
-              <a:t>4.3 Under the Hood: The Linux Connection</a:t>
+              <a:t>4.2 The Virtual Switch: Open vSwitch (OVS)</a:t>
             </a:r>
           </a:p>
         </p:txBody>
@@ -11717,15 +11678,7 @@
               </a:defRPr>
             </a:pPr>
             <a:r>
-              <a:t>Isolation = Namespaces: When you create a Router or a DHCP server, Neutron creates</a:t>
-            </a:r>
-            <a:br/>
-            <a:r>
-              <a:t>                    a Linux Network Namespace (ip netns). This allows Project A and</a:t>
-            </a:r>
-            <a:br/>
-            <a:r>
-              <a:t>                    Project B to both use "192.168.0.1" without conflict; they live in parallel, isolated universes.</a:t>
+              <a:t>In a physical rack, servers plug into a top-of-rack switch.</a:t>
             </a:r>
           </a:p>
           <a:p>
@@ -11743,15 +11696,85 @@
               </a:defRPr>
             </a:pPr>
             <a:r>
-              <a:t>Cabling = Veth Pairs: When a VM "plugs in" to the OVS Bridge, Neutron creates a</a:t>
+              <a:t>In OpenStack, VMs plug into a virtual switch</a:t>
             </a:r>
             <a:br/>
             <a:r>
-              <a:t>                    Virtual Ethernet (veth) pair. One end connects to the VM's interface (inside KVM),</a:t>
+              <a:t>                called Open vSwitch (OVS).</a:t>
+            </a:r>
+          </a:p>
+          <a:p>
+            <a:pPr>
+              <a:spcBef>
+                <a:spcPts val="800"/>
+              </a:spcBef>
+              <a:spcAft>
+                <a:spcPts val="800"/>
+              </a:spcAft>
+              <a:defRPr sz="2000">
+                <a:solidFill>
+                  <a:srgbClr val="FFFFFF"/>
+                </a:solidFill>
+              </a:defRPr>
+            </a:pPr>
+            <a:r>
+              <a:t>Unlike a standard unmanaged switch that simply learns MAC</a:t>
             </a:r>
             <a:br/>
             <a:r>
-              <a:t>                    and the other connects to the OVS Bridge.</a:t>
+              <a:t>                addresses, OVS is a production-quality, multilayer virtual switch that uses Flow</a:t>
+            </a:r>
+            <a:br/>
+            <a:r>
+              <a:t>                    Tables.</a:t>
+            </a:r>
+          </a:p>
+          <a:p>
+            <a:pPr>
+              <a:spcBef>
+                <a:spcPts val="800"/>
+              </a:spcBef>
+              <a:spcAft>
+                <a:spcPts val="800"/>
+              </a:spcAft>
+              <a:defRPr sz="2000">
+                <a:solidFill>
+                  <a:srgbClr val="FFFFFF"/>
+                </a:solidFill>
+              </a:defRPr>
+            </a:pPr>
+            <a:r>
+              <a:t>A Flow Table is a list of programmable rules that match specific packets (e.g., "If</a:t>
+            </a:r>
+            <a:br/>
+            <a:r>
+              <a:t>                source IP is A and dest IP is B...") and applies specific actions (e.g., "...drop packet" or "...tag</a:t>
+            </a:r>
+            <a:br/>
+            <a:r>
+              <a:t>                with VLAN 100").</a:t>
+            </a:r>
+          </a:p>
+          <a:p>
+            <a:pPr>
+              <a:spcBef>
+                <a:spcPts val="800"/>
+              </a:spcBef>
+              <a:spcAft>
+                <a:spcPts val="800"/>
+              </a:spcAft>
+              <a:defRPr sz="2000">
+                <a:solidFill>
+                  <a:srgbClr val="FFFFFF"/>
+                </a:solidFill>
+              </a:defRPr>
+            </a:pPr>
+            <a:r>
+              <a:t>Neutron programs these flow tables dynamically to implement sophisticated features like</a:t>
+            </a:r>
+            <a:br/>
+            <a:r>
+              <a:t>                Security Groups (Distributed Firewalls) and Virtual Routing.</a:t>
             </a:r>
           </a:p>
         </p:txBody>
@@ -11836,7 +11859,7 @@
               </a:defRPr>
             </a:pPr>
             <a:r>
-              <a:t>4.4 Flow of Traffic (North-South vs East-West) (Part 1)</a:t>
+              <a:t>4.3 Under the Hood: The Linux Connection</a:t>
             </a:r>
           </a:p>
         </p:txBody>
@@ -11877,11 +11900,15 @@
               </a:defRPr>
             </a:pPr>
             <a:r>
-              <a:t>East-West Traffic refers to communication between VMs inside the same cloud</a:t>
+              <a:t>Isolation = Namespaces: When you create a Router or a DHCP server, Neutron creates</a:t>
             </a:r>
             <a:br/>
             <a:r>
-              <a:t>                environment (e.g., Web Server A talking to Database Server B).</a:t>
+              <a:t>                    a Linux Network Namespace (ip netns). This allows Project A and</a:t>
+            </a:r>
+            <a:br/>
+            <a:r>
+              <a:t>                    Project B to both use "192.168.0.1" without conflict; they live in parallel, isolated universes.</a:t>
             </a:r>
           </a:p>
           <a:p>
@@ -11899,77 +11926,15 @@
               </a:defRPr>
             </a:pPr>
             <a:r>
-              <a:t>Ideally, this traffic should never leave</a:t>
+              <a:t>Cabling = Veth Pairs: When a VM "plugs in" to the OVS Bridge, Neutron creates a</a:t>
             </a:r>
             <a:br/>
             <a:r>
-              <a:t>                the virtual infrastructure.</a:t>
-            </a:r>
-          </a:p>
-          <a:p>
-            <a:pPr>
-              <a:spcBef>
-                <a:spcPts val="800"/>
-              </a:spcBef>
-              <a:spcAft>
-                <a:spcPts val="800"/>
-              </a:spcAft>
-              <a:defRPr sz="2000">
-                <a:solidFill>
-                  <a:srgbClr val="FFFFFF"/>
-                </a:solidFill>
-              </a:defRPr>
-            </a:pPr>
-            <a:r>
-              <a:t>It flows from the source VM, through the local OVS Bridge, and is typically</a:t>
+              <a:t>                    Virtual Ethernet (veth) pair. One end connects to the VM's interface (inside KVM),</a:t>
             </a:r>
             <a:br/>
             <a:r>
-              <a:t>                encapsulated in a tunnel protocol like VXLAN to cross the physical network before</a:t>
-            </a:r>
-            <a:br/>
-            <a:r>
-              <a:t>                arriving at the destination compute node.</a:t>
-            </a:r>
-          </a:p>
-          <a:p>
-            <a:pPr>
-              <a:spcBef>
-                <a:spcPts val="800"/>
-              </a:spcBef>
-              <a:spcAft>
-                <a:spcPts val="800"/>
-              </a:spcAft>
-              <a:defRPr sz="2000">
-                <a:solidFill>
-                  <a:srgbClr val="FFFFFF"/>
-                </a:solidFill>
-              </a:defRPr>
-            </a:pPr>
-            <a:r>
-              <a:t>North-South Traffic refers to communication entering or leaving the cloud (e.g., a User</a:t>
-            </a:r>
-            <a:br/>
-            <a:r>
-              <a:t>                accessing your Web Server from the Internet).</a:t>
-            </a:r>
-          </a:p>
-          <a:p>
-            <a:pPr>
-              <a:spcBef>
-                <a:spcPts val="800"/>
-              </a:spcBef>
-              <a:spcAft>
-                <a:spcPts val="800"/>
-              </a:spcAft>
-              <a:defRPr sz="2000">
-                <a:solidFill>
-                  <a:srgbClr val="FFFFFF"/>
-                </a:solidFill>
-              </a:defRPr>
-            </a:pPr>
-            <a:r>
-              <a:t>This traffic must leave the virtual overlay network.</a:t>
+              <a:t>                    and the other connects to the OVS Bridge.</a:t>
             </a:r>
           </a:p>
         </p:txBody>
@@ -12054,7 +12019,7 @@
               </a:defRPr>
             </a:pPr>
             <a:r>
-              <a:t>4.4 Flow of Traffic (North-South vs East-West) (Part 2)</a:t>
+              <a:t>4.4 Flow of Traffic (North-South vs East-West) (Part 1)</a:t>
             </a:r>
           </a:p>
         </p:txBody>
@@ -12095,19 +12060,99 @@
               </a:defRPr>
             </a:pPr>
             <a:r>
-              <a:t>It</a:t>
+              <a:t>East-West Traffic refers to communication between VMs inside the same cloud</a:t>
             </a:r>
             <a:br/>
             <a:r>
-              <a:t>                passes through the Neutron Router (which lives inside a Network Namespace), undergoes</a:t>
+              <a:t>                environment (e.g., Web Server A talking to Database Server B).</a:t>
+            </a:r>
+          </a:p>
+          <a:p>
+            <a:pPr>
+              <a:spcBef>
+                <a:spcPts val="800"/>
+              </a:spcBef>
+              <a:spcAft>
+                <a:spcPts val="800"/>
+              </a:spcAft>
+              <a:defRPr sz="2000">
+                <a:solidFill>
+                  <a:srgbClr val="FFFFFF"/>
+                </a:solidFill>
+              </a:defRPr>
+            </a:pPr>
+            <a:r>
+              <a:t>Ideally, this traffic should never leave</a:t>
             </a:r>
             <a:br/>
             <a:r>
-              <a:t>                SNAT (Source NAT) to mask its private IP, and exits via the external provider network</a:t>
+              <a:t>                the virtual infrastructure.</a:t>
+            </a:r>
+          </a:p>
+          <a:p>
+            <a:pPr>
+              <a:spcBef>
+                <a:spcPts val="800"/>
+              </a:spcBef>
+              <a:spcAft>
+                <a:spcPts val="800"/>
+              </a:spcAft>
+              <a:defRPr sz="2000">
+                <a:solidFill>
+                  <a:srgbClr val="FFFFFF"/>
+                </a:solidFill>
+              </a:defRPr>
+            </a:pPr>
+            <a:r>
+              <a:t>It flows from the source VM, through the local OVS Bridge, and is typically</a:t>
             </a:r>
             <a:br/>
             <a:r>
-              <a:t>                gateway.</a:t>
+              <a:t>                encapsulated in a tunnel protocol like VXLAN to cross the physical network before</a:t>
+            </a:r>
+            <a:br/>
+            <a:r>
+              <a:t>                arriving at the destination compute node.</a:t>
+            </a:r>
+          </a:p>
+          <a:p>
+            <a:pPr>
+              <a:spcBef>
+                <a:spcPts val="800"/>
+              </a:spcBef>
+              <a:spcAft>
+                <a:spcPts val="800"/>
+              </a:spcAft>
+              <a:defRPr sz="2000">
+                <a:solidFill>
+                  <a:srgbClr val="FFFFFF"/>
+                </a:solidFill>
+              </a:defRPr>
+            </a:pPr>
+            <a:r>
+              <a:t>North-South Traffic refers to communication entering or leaving the cloud (e.g., a User</a:t>
+            </a:r>
+            <a:br/>
+            <a:r>
+              <a:t>                accessing your Web Server from the Internet).</a:t>
+            </a:r>
+          </a:p>
+          <a:p>
+            <a:pPr>
+              <a:spcBef>
+                <a:spcPts val="800"/>
+              </a:spcBef>
+              <a:spcAft>
+                <a:spcPts val="800"/>
+              </a:spcAft>
+              <a:defRPr sz="2000">
+                <a:solidFill>
+                  <a:srgbClr val="FFFFFF"/>
+                </a:solidFill>
+              </a:defRPr>
+            </a:pPr>
+            <a:r>
+              <a:t>This traffic must leave the virtual overlay network.</a:t>
             </a:r>
           </a:p>
         </p:txBody>
@@ -12192,7 +12237,7 @@
               </a:defRPr>
             </a:pPr>
             <a:r>
-              <a:t>4.5 CLI Implementation (Case Study: Nebula Inc.) (Part 1)</a:t>
+              <a:t>4.4 Flow of Traffic (North-South vs East-West) (Part 2)</a:t>
             </a:r>
           </a:p>
         </p:txBody>
@@ -12233,95 +12278,19 @@
               </a:defRPr>
             </a:pPr>
             <a:r>
-              <a:t>Now that we understand the theory of pipelines and flows, it is time to build.</a:t>
-            </a:r>
-          </a:p>
-          <a:p>
-            <a:pPr>
-              <a:spcBef>
-                <a:spcPts val="800"/>
-              </a:spcBef>
-              <a:spcAft>
-                <a:spcPts val="800"/>
-              </a:spcAft>
-              <a:defRPr sz="2000">
-                <a:solidFill>
-                  <a:srgbClr val="FFFFFF"/>
-                </a:solidFill>
-              </a:defRPr>
-            </a:pPr>
-            <a:r>
-              <a:t>Nebula Inc.</a:t>
-            </a:r>
-          </a:p>
-          <a:p>
-            <a:pPr>
-              <a:spcBef>
-                <a:spcPts val="800"/>
-              </a:spcBef>
-              <a:spcAft>
-                <a:spcPts val="800"/>
-              </a:spcAft>
-              <a:defRPr sz="2000">
-                <a:solidFill>
-                  <a:srgbClr val="FFFFFF"/>
-                </a:solidFill>
-              </a:defRPr>
-            </a:pPr>
-            <a:r>
-              <a:t>requires a</a:t>
+              <a:t>It</a:t>
             </a:r>
             <a:br/>
             <a:r>
-              <a:t>                private, isolated network segment where their web servers can communicate safely.</a:t>
-            </a:r>
-          </a:p>
-          <a:p>
-            <a:pPr>
-              <a:spcBef>
-                <a:spcPts val="800"/>
-              </a:spcBef>
-              <a:spcAft>
-                <a:spcPts val="800"/>
-              </a:spcAft>
-              <a:defRPr sz="2000">
-                <a:solidFill>
-                  <a:srgbClr val="FFFFFF"/>
-                </a:solidFill>
-              </a:defRPr>
-            </a:pPr>
-            <a:r>
-              <a:t>We will construct a</a:t>
+              <a:t>                passes through the Neutron Router (which lives inside a Network Namespace), undergoes</a:t>
             </a:r>
             <a:br/>
             <a:r>
-              <a:t>                topology consisting of a private Virtual Switch (nebula_net), an IP addressing scheme</a:t>
+              <a:t>                SNAT (Source NAT) to mask its private IP, and exits via the external provider network</a:t>
             </a:r>
             <a:br/>
             <a:r>
-              <a:t>                (nebula_subnet), and a Virtual Router (nebula_router) to connect to the</a:t>
-            </a:r>
-            <a:br/>
-            <a:r>
-              <a:t>                outside world.</a:t>
-            </a:r>
-          </a:p>
-          <a:p>
-            <a:pPr>
-              <a:spcBef>
-                <a:spcPts val="800"/>
-              </a:spcBef>
-              <a:spcAft>
-                <a:spcPts val="800"/>
-              </a:spcAft>
-              <a:defRPr sz="2000">
-                <a:solidFill>
-                  <a:srgbClr val="FFFFFF"/>
-                </a:solidFill>
-              </a:defRPr>
-            </a:pPr>
-            <a:r>
-              <a:t>Explanation: Initializes the logical switch in the database (Control Plane).</a:t>
+              <a:t>                gateway.</a:t>
             </a:r>
           </a:p>
         </p:txBody>
@@ -12406,7 +12375,7 @@
               </a:defRPr>
             </a:pPr>
             <a:r>
-              <a:t>4.5 CLI Implementation (Case Study: Nebula Inc.) (Part 2)</a:t>
+              <a:t>4.5 CLI Implementation (Case Study: Nebula Inc.) (Part 1)</a:t>
             </a:r>
           </a:p>
         </p:txBody>
@@ -12447,7 +12416,7 @@
               </a:defRPr>
             </a:pPr>
             <a:r>
-              <a:t>Result: A network UUID is created. OVS is not touched yet.</a:t>
+              <a:t>Now that we understand the theory of pipelines and flows, it is time to build.</a:t>
             </a:r>
           </a:p>
           <a:p>
@@ -12465,19 +12434,7 @@
               </a:defRPr>
             </a:pPr>
             <a:r>
-              <a:t>Explanation:</a:t>
-            </a:r>
-            <a:br/>
-            <a:r>
-              <a:t>--network nebula_net: Attaches this IP logic to the switch.</a:t>
-            </a:r>
-            <a:br/>
-            <a:r>
-              <a:t>Result: The DHCP Agent (Data Plane) spawns a dnsmasq process</a:t>
-            </a:r>
-            <a:br/>
-            <a:r>
-              <a:t>                            in a namespace to serve IPs.</a:t>
+              <a:t>Nebula Inc.</a:t>
             </a:r>
           </a:p>
           <a:p>
@@ -12495,7 +12452,11 @@
               </a:defRPr>
             </a:pPr>
             <a:r>
-              <a:t>Explanation: Creates a virtual router instance.</a:t>
+              <a:t>requires a</a:t>
+            </a:r>
+            <a:br/>
+            <a:r>
+              <a:t>                private, isolated network segment where their web servers can communicate safely.</a:t>
             </a:r>
           </a:p>
           <a:p>
@@ -12513,11 +12474,19 @@
               </a:defRPr>
             </a:pPr>
             <a:r>
-              <a:t>Explanation: This is the equivalent of plugging a patch cable from the Switch</a:t>
+              <a:t>We will construct a</a:t>
             </a:r>
             <a:br/>
             <a:r>
-              <a:t>                    (nebula_subnet) into the Router's LAN port.</a:t>
+              <a:t>                topology consisting of a private Virtual Switch (nebula_net), an IP addressing scheme</a:t>
+            </a:r>
+            <a:br/>
+            <a:r>
+              <a:t>                (nebula_subnet), and a Virtual Router (nebula_router) to connect to the</a:t>
+            </a:r>
+            <a:br/>
+            <a:r>
+              <a:t>                outside world.</a:t>
             </a:r>
           </a:p>
           <a:p>
@@ -12535,11 +12504,7 @@
               </a:defRPr>
             </a:pPr>
             <a:r>
-              <a:t>Result: The L3 Agent creates a generic router namespace and assigns the gateway IP</a:t>
-            </a:r>
-            <a:br/>
-            <a:r>
-              <a:t>                    192.168.50.1.</a:t>
+              <a:t>Explanation: Initializes the logical switch in the database (Control Plane).</a:t>
             </a:r>
           </a:p>
         </p:txBody>
@@ -12624,7 +12589,7 @@
               </a:defRPr>
             </a:pPr>
             <a:r>
-              <a:t>4.5 CLI Implementation (Case Study: Nebula Inc.) (Part 3)</a:t>
+              <a:t>4.5 CLI Implementation (Case Study: Nebula Inc.) (Part 2)</a:t>
             </a:r>
           </a:p>
         </p:txBody>
@@ -12665,11 +12630,7 @@
               </a:defRPr>
             </a:pPr>
             <a:r>
-              <a:t>Explanation: Connects the Router's WAN port to the Provider Network</a:t>
-            </a:r>
-            <a:br/>
-            <a:r>
-              <a:t>                    (public).</a:t>
+              <a:t>Result: A network UUID is created. OVS is not touched yet.</a:t>
             </a:r>
           </a:p>
           <a:p>
@@ -12687,7 +12648,81 @@
               </a:defRPr>
             </a:pPr>
             <a:r>
-              <a:t>Result: Enables the router to route traffic to the internet (North-South flow).</a:t>
+              <a:t>Explanation:</a:t>
+            </a:r>
+            <a:br/>
+            <a:r>
+              <a:t>--network nebula_net: Attaches this IP logic to the switch.</a:t>
+            </a:r>
+            <a:br/>
+            <a:r>
+              <a:t>Result: The DHCP Agent (Data Plane) spawns a dnsmasq process</a:t>
+            </a:r>
+            <a:br/>
+            <a:r>
+              <a:t>                            in a namespace to serve IPs.</a:t>
+            </a:r>
+          </a:p>
+          <a:p>
+            <a:pPr>
+              <a:spcBef>
+                <a:spcPts val="800"/>
+              </a:spcBef>
+              <a:spcAft>
+                <a:spcPts val="800"/>
+              </a:spcAft>
+              <a:defRPr sz="2000">
+                <a:solidFill>
+                  <a:srgbClr val="FFFFFF"/>
+                </a:solidFill>
+              </a:defRPr>
+            </a:pPr>
+            <a:r>
+              <a:t>Explanation: Creates a virtual router instance.</a:t>
+            </a:r>
+          </a:p>
+          <a:p>
+            <a:pPr>
+              <a:spcBef>
+                <a:spcPts val="800"/>
+              </a:spcBef>
+              <a:spcAft>
+                <a:spcPts val="800"/>
+              </a:spcAft>
+              <a:defRPr sz="2000">
+                <a:solidFill>
+                  <a:srgbClr val="FFFFFF"/>
+                </a:solidFill>
+              </a:defRPr>
+            </a:pPr>
+            <a:r>
+              <a:t>Explanation: This is the equivalent of plugging a patch cable from the Switch</a:t>
+            </a:r>
+            <a:br/>
+            <a:r>
+              <a:t>                    (nebula_subnet) into the Router's LAN port.</a:t>
+            </a:r>
+          </a:p>
+          <a:p>
+            <a:pPr>
+              <a:spcBef>
+                <a:spcPts val="800"/>
+              </a:spcBef>
+              <a:spcAft>
+                <a:spcPts val="800"/>
+              </a:spcAft>
+              <a:defRPr sz="2000">
+                <a:solidFill>
+                  <a:srgbClr val="FFFFFF"/>
+                </a:solidFill>
+              </a:defRPr>
+            </a:pPr>
+            <a:r>
+              <a:t>Result: The L3 Agent creates a generic router namespace and assigns the gateway IP</a:t>
+            </a:r>
+            <a:br/>
+            <a:r>
+              <a:t>                    192.168.50.1.</a:t>
             </a:r>
           </a:p>
         </p:txBody>
@@ -12772,7 +12807,7 @@
               </a:defRPr>
             </a:pPr>
             <a:r>
-              <a:t>4.6 Verification</a:t>
+              <a:t>4.5 CLI Implementation (Case Study: Nebula Inc.) (Part 3)</a:t>
             </a:r>
           </a:p>
         </p:txBody>
@@ -12813,11 +12848,29 @@
               </a:defRPr>
             </a:pPr>
             <a:r>
-              <a:t>Log in to Horizon -&gt; Network -&gt; Network Topology. You should see the Nebula Router</a:t>
+              <a:t>Explanation: Connects the Router's WAN port to the Provider Network</a:t>
             </a:r>
             <a:br/>
             <a:r>
-              <a:t>                creating a bridge between the Blue (Private) line and the Red (Public) line.</a:t>
+              <a:t>                    (public).</a:t>
+            </a:r>
+          </a:p>
+          <a:p>
+            <a:pPr>
+              <a:spcBef>
+                <a:spcPts val="800"/>
+              </a:spcBef>
+              <a:spcAft>
+                <a:spcPts val="800"/>
+              </a:spcAft>
+              <a:defRPr sz="2000">
+                <a:solidFill>
+                  <a:srgbClr val="FFFFFF"/>
+                </a:solidFill>
+              </a:defRPr>
+            </a:pPr>
+            <a:r>
+              <a:t>Result: Enables the router to route traffic to the internet (North-South flow).</a:t>
             </a:r>
           </a:p>
         </p:txBody>
@@ -12902,7 +12955,7 @@
               </a:defRPr>
             </a:pPr>
             <a:r>
-              <a:t>Section 4 Checkpoint (Part 1)</a:t>
+              <a:t>4.6 Verification</a:t>
             </a:r>
           </a:p>
         </p:txBody>
@@ -12943,91 +12996,11 @@
               </a:defRPr>
             </a:pPr>
             <a:r>
-              <a:t>SDN: Separates the "Brain" (Neutron API) from the "Muscle" (OVS/Agents).</a:t>
-            </a:r>
-          </a:p>
-          <a:p>
-            <a:pPr>
-              <a:spcBef>
-                <a:spcPts val="800"/>
-              </a:spcBef>
-              <a:spcAft>
-                <a:spcPts val="800"/>
-              </a:spcAft>
-              <a:defRPr sz="2000">
-                <a:solidFill>
-                  <a:srgbClr val="FFFFFF"/>
-                </a:solidFill>
-              </a:defRPr>
-            </a:pPr>
-            <a:r>
-              <a:t>OVS: Uses Flow Tables to direct traffic and enforce security, replacing physical</a:t>
+              <a:t>Log in to Horizon -&gt; Network -&gt; Network Topology. You should see the Nebula Router</a:t>
             </a:r>
             <a:br/>
             <a:r>
-              <a:t>                    switch logic.</a:t>
-            </a:r>
-          </a:p>
-          <a:p>
-            <a:pPr>
-              <a:spcBef>
-                <a:spcPts val="800"/>
-              </a:spcBef>
-              <a:spcAft>
-                <a:spcPts val="800"/>
-              </a:spcAft>
-              <a:defRPr sz="2000">
-                <a:solidFill>
-                  <a:srgbClr val="FFFFFF"/>
-                </a:solidFill>
-              </a:defRPr>
-            </a:pPr>
-            <a:r>
-              <a:t>Linux Foundations: Capabilities like Namespaces and Veth pairs are the building</a:t>
-            </a:r>
-            <a:br/>
-            <a:r>
-              <a:t>                    blocks of the cloud.</a:t>
-            </a:r>
-          </a:p>
-          <a:p>
-            <a:pPr>
-              <a:spcBef>
-                <a:spcPts val="800"/>
-              </a:spcBef>
-              <a:spcAft>
-                <a:spcPts val="800"/>
-              </a:spcAft>
-              <a:defRPr sz="2000">
-                <a:solidFill>
-                  <a:srgbClr val="FFFFFF"/>
-                </a:solidFill>
-              </a:defRPr>
-            </a:pPr>
-            <a:r>
-              <a:t>Reflection:</a:t>
-            </a:r>
-            <a:br/>
-            <a:r>
-              <a:t>                1.</a:t>
-            </a:r>
-          </a:p>
-          <a:p>
-            <a:pPr>
-              <a:spcBef>
-                <a:spcPts val="800"/>
-              </a:spcBef>
-              <a:spcAft>
-                <a:spcPts val="800"/>
-              </a:spcAft>
-              <a:defRPr sz="2000">
-                <a:solidFill>
-                  <a:srgbClr val="FFFFFF"/>
-                </a:solidFill>
-              </a:defRPr>
-            </a:pPr>
-            <a:r>
-              <a:t>Recall: In Week 4, we used ip netns exec.</a:t>
+              <a:t>                creating a bridge between the Blue (Private) line and the Red (Public) line.</a:t>
             </a:r>
           </a:p>
         </p:txBody>
@@ -13112,7 +13085,7 @@
               </a:defRPr>
             </a:pPr>
             <a:r>
-              <a:t>Section 4 Checkpoint (Part 2)</a:t>
+              <a:t>Section 4 Checkpoint (Part 1)</a:t>
             </a:r>
           </a:p>
         </p:txBody>
@@ -13153,11 +13126,7 @@
               </a:defRPr>
             </a:pPr>
             <a:r>
-              <a:t>How does that relate to a</a:t>
-            </a:r>
-            <a:br/>
-            <a:r>
-              <a:t>                Neutron Router?</a:t>
+              <a:t>SDN: Separates the "Brain" (Neutron API) from the "Muscle" (OVS/Agents).</a:t>
             </a:r>
           </a:p>
           <a:p>
@@ -13175,7 +13144,11 @@
               </a:defRPr>
             </a:pPr>
             <a:r>
-              <a:t>2.</a:t>
+              <a:t>OVS: Uses Flow Tables to direct traffic and enforce security, replacing physical</a:t>
+            </a:r>
+            <a:br/>
+            <a:r>
+              <a:t>                    switch logic.</a:t>
             </a:r>
           </a:p>
           <a:p>
@@ -13193,11 +13166,11 @@
               </a:defRPr>
             </a:pPr>
             <a:r>
-              <a:t>Flows: If you add a Security Group rule to allow SSH, what actually changes on the</a:t>
+              <a:t>Linux Foundations: Capabilities like Namespaces and Veth pairs are the building</a:t>
             </a:r>
             <a:br/>
             <a:r>
-              <a:t>                Compute Node?</a:t>
+              <a:t>                    blocks of the cloud.</a:t>
             </a:r>
           </a:p>
           <a:p>
@@ -13215,7 +13188,11 @@
               </a:defRPr>
             </a:pPr>
             <a:r>
-              <a:t>OpenStack Neutron Guide</a:t>
+              <a:t>Reflection:</a:t>
+            </a:r>
+            <a:br/>
+            <a:r>
+              <a:t>                1.</a:t>
             </a:r>
           </a:p>
           <a:p>
@@ -13233,7 +13210,7 @@
               </a:defRPr>
             </a:pPr>
             <a:r>
-              <a:t>AWS VPC (Virtual Private Cloud)</a:t>
+              <a:t>Recall: In Week 4, we used ip netns exec.</a:t>
             </a:r>
           </a:p>
         </p:txBody>
@@ -13318,7 +13295,7 @@
               </a:defRPr>
             </a:pPr>
             <a:r>
-              <a:t>1. Case Study: The "Nebula Inc." Startup (Part 2)</a:t>
+              <a:t>1. Case Study: The "Nebula Inc." Startup (Part 1)</a:t>
             </a:r>
           </a:p>
         </p:txBody>
@@ -13359,11 +13336,7 @@
               </a:defRPr>
             </a:pPr>
             <a:r>
-              <a:t>Week 9 (Compute): You will deploy their first web servers and secure them with</a:t>
-            </a:r>
-            <a:br/>
-            <a:r>
-              <a:t>                    firewalls.</a:t>
+              <a:t>To understand how a cloud is built, we will follow a continuous scenario for the next three weeks.</a:t>
             </a:r>
           </a:p>
           <a:p>
@@ -13381,7 +13354,89 @@
               </a:defRPr>
             </a:pPr>
             <a:r>
-              <a:t>Week 10 (Storage): You will attach persistent storage for their customer database.</a:t>
+              <a:t>You</a:t>
+            </a:r>
+            <a:br/>
+            <a:r>
+              <a:t>                have been hired as the Lead Cloud Engineer for a new software startup called "Nebula</a:t>
+            </a:r>
+            <a:br/>
+            <a:r>
+              <a:t>                    Inc." Currently, they have no infrastructure—just a credit card and a dream.</a:t>
+            </a:r>
+          </a:p>
+          <a:p>
+            <a:pPr>
+              <a:spcBef>
+                <a:spcPts val="800"/>
+              </a:spcBef>
+              <a:spcAft>
+                <a:spcPts val="800"/>
+              </a:spcAft>
+              <a:defRPr sz="2000">
+                <a:solidFill>
+                  <a:srgbClr val="FFFFFF"/>
+                </a:solidFill>
+              </a:defRPr>
+            </a:pPr>
+            <a:r>
+              <a:t>Your job is to</a:t>
+            </a:r>
+            <a:br/>
+            <a:r>
+              <a:t>                build their Virtual Data Center (VDC) from scratch using OpenStack.</a:t>
+            </a:r>
+          </a:p>
+          <a:p>
+            <a:pPr>
+              <a:spcBef>
+                <a:spcPts val="800"/>
+              </a:spcBef>
+              <a:spcAft>
+                <a:spcPts val="800"/>
+              </a:spcAft>
+              <a:defRPr sz="2000">
+                <a:solidFill>
+                  <a:srgbClr val="FFFFFF"/>
+                </a:solidFill>
+              </a:defRPr>
+            </a:pPr>
+            <a:r>
+              <a:t>This is not a theoretical exercise;</a:t>
+            </a:r>
+            <a:br/>
+            <a:r>
+              <a:t>                you will be typing the actual commands that cloud administrators use daily to construct the digital</a:t>
+            </a:r>
+            <a:br/>
+            <a:r>
+              <a:t>                fabric of the modern internet.</a:t>
+            </a:r>
+          </a:p>
+          <a:p>
+            <a:pPr>
+              <a:spcBef>
+                <a:spcPts val="800"/>
+              </a:spcBef>
+              <a:spcAft>
+                <a:spcPts val="800"/>
+              </a:spcAft>
+              <a:defRPr sz="2000">
+                <a:solidFill>
+                  <a:srgbClr val="FFFFFF"/>
+                </a:solidFill>
+              </a:defRPr>
+            </a:pPr>
+            <a:r>
+              <a:t>Week 8 (Foundation): You must create the secure environment. This involves setting</a:t>
+            </a:r>
+            <a:br/>
+            <a:r>
+              <a:t>                    up the company's "Tenant" (Project), hiring the staff (Users), purchasing the software licenses</a:t>
+            </a:r>
+            <a:br/>
+            <a:r>
+              <a:t>                    (Images), and cabling the office (Networking).</a:t>
             </a:r>
           </a:p>
         </p:txBody>
@@ -13466,7 +13521,7 @@
               </a:defRPr>
             </a:pPr>
             <a:r>
-              <a:t>Section 4 Checkpoint (Part 3)</a:t>
+              <a:t>Section 4 Checkpoint (Part 2)</a:t>
             </a:r>
           </a:p>
         </p:txBody>
@@ -13507,11 +13562,87 @@
               </a:defRPr>
             </a:pPr>
             <a:r>
-              <a:t>Azure</a:t>
+              <a:t>How does that relate to a</a:t>
             </a:r>
             <a:br/>
             <a:r>
-              <a:t>                        Virtual Network (VNet)</a:t>
+              <a:t>                Neutron Router?</a:t>
+            </a:r>
+          </a:p>
+          <a:p>
+            <a:pPr>
+              <a:spcBef>
+                <a:spcPts val="800"/>
+              </a:spcBef>
+              <a:spcAft>
+                <a:spcPts val="800"/>
+              </a:spcAft>
+              <a:defRPr sz="2000">
+                <a:solidFill>
+                  <a:srgbClr val="FFFFFF"/>
+                </a:solidFill>
+              </a:defRPr>
+            </a:pPr>
+            <a:r>
+              <a:t>2.</a:t>
+            </a:r>
+          </a:p>
+          <a:p>
+            <a:pPr>
+              <a:spcBef>
+                <a:spcPts val="800"/>
+              </a:spcBef>
+              <a:spcAft>
+                <a:spcPts val="800"/>
+              </a:spcAft>
+              <a:defRPr sz="2000">
+                <a:solidFill>
+                  <a:srgbClr val="FFFFFF"/>
+                </a:solidFill>
+              </a:defRPr>
+            </a:pPr>
+            <a:r>
+              <a:t>Flows: If you add a Security Group rule to allow SSH, what actually changes on the</a:t>
+            </a:r>
+            <a:br/>
+            <a:r>
+              <a:t>                Compute Node?</a:t>
+            </a:r>
+          </a:p>
+          <a:p>
+            <a:pPr>
+              <a:spcBef>
+                <a:spcPts val="800"/>
+              </a:spcBef>
+              <a:spcAft>
+                <a:spcPts val="800"/>
+              </a:spcAft>
+              <a:defRPr sz="2000">
+                <a:solidFill>
+                  <a:srgbClr val="FFFFFF"/>
+                </a:solidFill>
+              </a:defRPr>
+            </a:pPr>
+            <a:r>
+              <a:t>OpenStack Neutron Guide</a:t>
+            </a:r>
+          </a:p>
+          <a:p>
+            <a:pPr>
+              <a:spcBef>
+                <a:spcPts val="800"/>
+              </a:spcBef>
+              <a:spcAft>
+                <a:spcPts val="800"/>
+              </a:spcAft>
+              <a:defRPr sz="2000">
+                <a:solidFill>
+                  <a:srgbClr val="FFFFFF"/>
+                </a:solidFill>
+              </a:defRPr>
+            </a:pPr>
+            <a:r>
+              <a:t>AWS VPC (Virtual Private Cloud)</a:t>
             </a:r>
           </a:p>
         </p:txBody>
@@ -13530,7 +13661,7 @@
     <p:bg>
       <p:bgPr>
         <a:solidFill>
-          <a:srgbClr val="1E3A5F"/>
+          <a:srgbClr val="142A46"/>
         </a:solidFill>
         <a:effectLst/>
       </p:bgPr>
@@ -13574,8 +13705,8 @@
         </p:nvSpPr>
         <p:spPr>
           <a:xfrm>
-            <a:off x="914400" y="2286000"/>
-            <a:ext cx="7315200" cy="1828800"/>
+            <a:off x="457200" y="914400"/>
+            <a:ext cx="8229600" cy="640080"/>
           </a:xfrm>
           <a:prstGeom prst="rect">
             <a:avLst/>
@@ -13583,25 +13714,65 @@
           <a:noFill/>
         </p:spPr>
         <p:txBody>
+          <a:bodyPr wrap="none">
+            <a:spAutoFit/>
+          </a:bodyPr>
+          <a:lstStyle/>
+          <a:p>
+            <a:pPr>
+              <a:defRPr sz="3200" b="1">
+                <a:solidFill>
+                  <a:srgbClr val="C9984A"/>
+                </a:solidFill>
+              </a:defRPr>
+            </a:pPr>
+            <a:r>
+              <a:t>Section 4 Checkpoint (Part 3)</a:t>
+            </a:r>
+          </a:p>
+        </p:txBody>
+      </p:sp>
+      <p:sp>
+        <p:nvSpPr>
+          <p:cNvPr id="4" name="TextBox 3"/>
+          <p:cNvSpPr txBox="1"/>
+          <p:nvPr/>
+        </p:nvSpPr>
+        <p:spPr>
+          <a:xfrm>
+            <a:off x="731520" y="1737360"/>
+            <a:ext cx="7680960" cy="4389120"/>
+          </a:xfrm>
+          <a:prstGeom prst="rect">
+            <a:avLst/>
+          </a:prstGeom>
+          <a:noFill/>
+        </p:spPr>
+        <p:txBody>
           <a:bodyPr wrap="square">
             <a:spAutoFit/>
           </a:bodyPr>
           <a:lstStyle/>
           <a:p>
-            <a:pPr algn="ctr">
-              <a:defRPr sz="4800" b="1">
-                <a:solidFill>
-                  <a:srgbClr val="C9984A"/>
-                </a:solidFill>
-              </a:defRPr>
-            </a:pPr>
-            <a:r>
-              <a:t>6. Industry Comparison: The "Polyglot" Cloud</a:t>
-            </a:r>
-          </a:p>
-          <a:p>
-            <a:r>
-              <a:t>                Engineer</a:t>
+            <a:pPr>
+              <a:spcBef>
+                <a:spcPts val="800"/>
+              </a:spcBef>
+              <a:spcAft>
+                <a:spcPts val="800"/>
+              </a:spcAft>
+              <a:defRPr sz="2000">
+                <a:solidFill>
+                  <a:srgbClr val="FFFFFF"/>
+                </a:solidFill>
+              </a:defRPr>
+            </a:pPr>
+            <a:r>
+              <a:t>Azure</a:t>
+            </a:r>
+            <a:br/>
+            <a:r>
+              <a:t>                        Virtual Network (VNet)</a:t>
             </a:r>
           </a:p>
         </p:txBody>
@@ -13686,7 +13857,12 @@
               </a:defRPr>
             </a:pPr>
             <a:r>
-              <a:t>6.1 Concept Mapping</a:t>
+              <a:t>6. Industry Comparison: The "Polyglot" Cloud</a:t>
+            </a:r>
+          </a:p>
+          <a:p>
+            <a:r>
+              <a:t>                Engineer</a:t>
             </a:r>
           </a:p>
         </p:txBody>
@@ -13700,6 +13876,91 @@
 </file>
 
 <file path=ppt/slides/slide43.xml><?xml version="1.0" encoding="utf-8"?>
+<p:sld xmlns:a="http://schemas.openxmlformats.org/drawingml/2006/main" xmlns:p="http://schemas.openxmlformats.org/presentationml/2006/main" xmlns:r="http://schemas.openxmlformats.org/officeDocument/2006/relationships">
+  <p:cSld>
+    <p:bg>
+      <p:bgPr>
+        <a:solidFill>
+          <a:srgbClr val="1E3A5F"/>
+        </a:solidFill>
+        <a:effectLst/>
+      </p:bgPr>
+    </p:bg>
+    <p:spTree>
+      <p:nvGrpSpPr>
+        <p:cNvPr id="1" name=""/>
+        <p:cNvGrpSpPr/>
+        <p:nvPr/>
+      </p:nvGrpSpPr>
+      <p:grpSpPr/>
+      <p:pic>
+        <p:nvPicPr>
+          <p:cNvPr id="2" name="Picture 1" descr="ops3_logo.png"/>
+          <p:cNvPicPr>
+            <a:picLocks noChangeAspect="1"/>
+          </p:cNvPicPr>
+          <p:nvPr/>
+        </p:nvPicPr>
+        <p:blipFill>
+          <a:blip r:embed="rId2"/>
+          <a:stretch>
+            <a:fillRect/>
+          </a:stretch>
+        </p:blipFill>
+        <p:spPr>
+          <a:xfrm>
+            <a:off x="274320" y="274320"/>
+            <a:ext cx="581649" cy="548640"/>
+          </a:xfrm>
+          <a:prstGeom prst="rect">
+            <a:avLst/>
+          </a:prstGeom>
+        </p:spPr>
+      </p:pic>
+      <p:sp>
+        <p:nvSpPr>
+          <p:cNvPr id="3" name="TextBox 2"/>
+          <p:cNvSpPr txBox="1"/>
+          <p:nvPr/>
+        </p:nvSpPr>
+        <p:spPr>
+          <a:xfrm>
+            <a:off x="914400" y="2286000"/>
+            <a:ext cx="7315200" cy="1828800"/>
+          </a:xfrm>
+          <a:prstGeom prst="rect">
+            <a:avLst/>
+          </a:prstGeom>
+          <a:noFill/>
+        </p:spPr>
+        <p:txBody>
+          <a:bodyPr wrap="square">
+            <a:spAutoFit/>
+          </a:bodyPr>
+          <a:lstStyle/>
+          <a:p>
+            <a:pPr algn="ctr">
+              <a:defRPr sz="4800" b="1">
+                <a:solidFill>
+                  <a:srgbClr val="C9984A"/>
+                </a:solidFill>
+              </a:defRPr>
+            </a:pPr>
+            <a:r>
+              <a:t>6.1 Concept Mapping</a:t>
+            </a:r>
+          </a:p>
+        </p:txBody>
+      </p:sp>
+    </p:spTree>
+  </p:cSld>
+  <p:clrMapOvr>
+    <a:masterClrMapping/>
+  </p:clrMapOvr>
+</p:sld>
+</file>
+
+<file path=ppt/slides/slide44.xml><?xml version="1.0" encoding="utf-8"?>
 <p:sld xmlns:a="http://schemas.openxmlformats.org/drawingml/2006/main" xmlns:p="http://schemas.openxmlformats.org/presentationml/2006/main" xmlns:r="http://schemas.openxmlformats.org/officeDocument/2006/relationships">
   <p:cSld>
     <p:bg>
@@ -13888,91 +14149,6 @@
             <a:br/>
             <a:r>
               <a:t>                    identical; only the target file format changes.</a:t>
-            </a:r>
-          </a:p>
-        </p:txBody>
-      </p:sp>
-    </p:spTree>
-  </p:cSld>
-  <p:clrMapOvr>
-    <a:masterClrMapping/>
-  </p:clrMapOvr>
-</p:sld>
-</file>
-
-<file path=ppt/slides/slide44.xml><?xml version="1.0" encoding="utf-8"?>
-<p:sld xmlns:a="http://schemas.openxmlformats.org/drawingml/2006/main" xmlns:p="http://schemas.openxmlformats.org/presentationml/2006/main" xmlns:r="http://schemas.openxmlformats.org/officeDocument/2006/relationships">
-  <p:cSld>
-    <p:bg>
-      <p:bgPr>
-        <a:solidFill>
-          <a:srgbClr val="1E3A5F"/>
-        </a:solidFill>
-        <a:effectLst/>
-      </p:bgPr>
-    </p:bg>
-    <p:spTree>
-      <p:nvGrpSpPr>
-        <p:cNvPr id="1" name=""/>
-        <p:cNvGrpSpPr/>
-        <p:nvPr/>
-      </p:nvGrpSpPr>
-      <p:grpSpPr/>
-      <p:pic>
-        <p:nvPicPr>
-          <p:cNvPr id="2" name="Picture 1" descr="ops3_logo.png"/>
-          <p:cNvPicPr>
-            <a:picLocks noChangeAspect="1"/>
-          </p:cNvPicPr>
-          <p:nvPr/>
-        </p:nvPicPr>
-        <p:blipFill>
-          <a:blip r:embed="rId2"/>
-          <a:stretch>
-            <a:fillRect/>
-          </a:stretch>
-        </p:blipFill>
-        <p:spPr>
-          <a:xfrm>
-            <a:off x="274320" y="274320"/>
-            <a:ext cx="581649" cy="548640"/>
-          </a:xfrm>
-          <a:prstGeom prst="rect">
-            <a:avLst/>
-          </a:prstGeom>
-        </p:spPr>
-      </p:pic>
-      <p:sp>
-        <p:nvSpPr>
-          <p:cNvPr id="3" name="TextBox 2"/>
-          <p:cNvSpPr txBox="1"/>
-          <p:nvPr/>
-        </p:nvSpPr>
-        <p:spPr>
-          <a:xfrm>
-            <a:off x="914400" y="2286000"/>
-            <a:ext cx="7315200" cy="1828800"/>
-          </a:xfrm>
-          <a:prstGeom prst="rect">
-            <a:avLst/>
-          </a:prstGeom>
-          <a:noFill/>
-        </p:spPr>
-        <p:txBody>
-          <a:bodyPr wrap="square">
-            <a:spAutoFit/>
-          </a:bodyPr>
-          <a:lstStyle/>
-          <a:p>
-            <a:pPr algn="ctr">
-              <a:defRPr sz="4800" b="1">
-                <a:solidFill>
-                  <a:srgbClr val="C9984A"/>
-                </a:solidFill>
-              </a:defRPr>
-            </a:pPr>
-            <a:r>
-              <a:t>7. Summary</a:t>
             </a:r>
           </a:p>
         </p:txBody>
@@ -14057,7 +14233,7 @@
               </a:defRPr>
             </a:pPr>
             <a:r>
-              <a:t>4. Lab Exercises</a:t>
+              <a:t>7. Summary</a:t>
             </a:r>
           </a:p>
         </p:txBody>
@@ -14142,7 +14318,7 @@
               </a:defRPr>
             </a:pPr>
             <a:r>
-              <a:t>Summary</a:t>
+              <a:t>4. Lab Exercises</a:t>
             </a:r>
           </a:p>
         </p:txBody>
@@ -14155,7 +14331,7 @@
 </p:sld>
 </file>
 
-<file path=ppt/slides/slide5.xml><?xml version="1.0" encoding="utf-8"?>
+<file path=ppt/slides/slide47.xml><?xml version="1.0" encoding="utf-8"?>
 <p:sld xmlns:a="http://schemas.openxmlformats.org/drawingml/2006/main" xmlns:p="http://schemas.openxmlformats.org/presentationml/2006/main" xmlns:r="http://schemas.openxmlformats.org/officeDocument/2006/relationships">
   <p:cSld>
     <p:bg>
@@ -14227,7 +14403,7 @@
               </a:defRPr>
             </a:pPr>
             <a:r>
-              <a:t>2. Deep Dive: Identity Management (Keystone)</a:t>
+              <a:t>Summary</a:t>
             </a:r>
           </a:p>
         </p:txBody>
@@ -14240,7 +14416,7 @@
 </p:sld>
 </file>
 
-<file path=ppt/slides/slide6.xml><?xml version="1.0" encoding="utf-8"?>
+<file path=ppt/slides/slide5.xml><?xml version="1.0" encoding="utf-8"?>
 <p:sld xmlns:a="http://schemas.openxmlformats.org/drawingml/2006/main" xmlns:p="http://schemas.openxmlformats.org/presentationml/2006/main" xmlns:r="http://schemas.openxmlformats.org/officeDocument/2006/relationships">
   <p:cSld>
     <p:bg>
@@ -14312,7 +14488,7 @@
               </a:defRPr>
             </a:pPr>
             <a:r>
-              <a:t>2.1 The Authentication Workflow (The "Token Dance")</a:t>
+              <a:t>1. Case Study: The "Nebula Inc." Startup (Part 2)</a:t>
             </a:r>
           </a:p>
         </p:txBody>
@@ -14353,11 +14529,11 @@
               </a:defRPr>
             </a:pPr>
             <a:r>
-              <a:t>When you run a command like openstack server list, a complex sequence of events, often</a:t>
+              <a:t>Week 9 (Compute): You will deploy their first web servers and secure them with</a:t>
             </a:r>
             <a:br/>
             <a:r>
-              <a:t>                called the "Token Dance," occurs in the background before you see any output.</a:t>
+              <a:t>                    firewalls.</a:t>
             </a:r>
           </a:p>
           <a:p>
@@ -14375,11 +14551,92 @@
               </a:defRPr>
             </a:pPr>
             <a:r>
-              <a:t>Figure 1: The Keystone "Token Dance" - Documenting the 7-step process of authentication and</a:t>
-            </a:r>
-            <a:br/>
-            <a:r>
-              <a:t>                    authorization</a:t>
+              <a:t>Week 10 (Storage): You will attach persistent storage for their customer database.</a:t>
+            </a:r>
+          </a:p>
+        </p:txBody>
+      </p:sp>
+    </p:spTree>
+  </p:cSld>
+  <p:clrMapOvr>
+    <a:masterClrMapping/>
+  </p:clrMapOvr>
+</p:sld>
+</file>
+
+<file path=ppt/slides/slide6.xml><?xml version="1.0" encoding="utf-8"?>
+<p:sld xmlns:a="http://schemas.openxmlformats.org/drawingml/2006/main" xmlns:p="http://schemas.openxmlformats.org/presentationml/2006/main" xmlns:r="http://schemas.openxmlformats.org/officeDocument/2006/relationships">
+  <p:cSld>
+    <p:bg>
+      <p:bgPr>
+        <a:solidFill>
+          <a:srgbClr val="1E3A5F"/>
+        </a:solidFill>
+        <a:effectLst/>
+      </p:bgPr>
+    </p:bg>
+    <p:spTree>
+      <p:nvGrpSpPr>
+        <p:cNvPr id="1" name=""/>
+        <p:cNvGrpSpPr/>
+        <p:nvPr/>
+      </p:nvGrpSpPr>
+      <p:grpSpPr/>
+      <p:pic>
+        <p:nvPicPr>
+          <p:cNvPr id="2" name="Picture 1" descr="ops3_logo.png"/>
+          <p:cNvPicPr>
+            <a:picLocks noChangeAspect="1"/>
+          </p:cNvPicPr>
+          <p:nvPr/>
+        </p:nvPicPr>
+        <p:blipFill>
+          <a:blip r:embed="rId2"/>
+          <a:stretch>
+            <a:fillRect/>
+          </a:stretch>
+        </p:blipFill>
+        <p:spPr>
+          <a:xfrm>
+            <a:off x="274320" y="274320"/>
+            <a:ext cx="581649" cy="548640"/>
+          </a:xfrm>
+          <a:prstGeom prst="rect">
+            <a:avLst/>
+          </a:prstGeom>
+        </p:spPr>
+      </p:pic>
+      <p:sp>
+        <p:nvSpPr>
+          <p:cNvPr id="3" name="TextBox 2"/>
+          <p:cNvSpPr txBox="1"/>
+          <p:nvPr/>
+        </p:nvSpPr>
+        <p:spPr>
+          <a:xfrm>
+            <a:off x="914400" y="2286000"/>
+            <a:ext cx="7315200" cy="1828800"/>
+          </a:xfrm>
+          <a:prstGeom prst="rect">
+            <a:avLst/>
+          </a:prstGeom>
+          <a:noFill/>
+        </p:spPr>
+        <p:txBody>
+          <a:bodyPr wrap="square">
+            <a:spAutoFit/>
+          </a:bodyPr>
+          <a:lstStyle/>
+          <a:p>
+            <a:pPr algn="ctr">
+              <a:defRPr sz="4800" b="1">
+                <a:solidFill>
+                  <a:srgbClr val="C9984A"/>
+                </a:solidFill>
+              </a:defRPr>
+            </a:pPr>
+            <a:r>
+              <a:t>2. Deep Dive: Identity Management (Keystone)</a:t>
             </a:r>
           </a:p>
         </p:txBody>
@@ -14464,7 +14721,7 @@
               </a:defRPr>
             </a:pPr>
             <a:r>
-              <a:t>2.2 The Backend (Where are users stored?)</a:t>
+              <a:t>2.1 The Authentication Workflow (The "Token Dance")</a:t>
             </a:r>
           </a:p>
         </p:txBody>
@@ -14505,11 +14762,11 @@
               </a:defRPr>
             </a:pPr>
             <a:r>
-              <a:t>SQL (Local): Users are stored in the OpenStack database (MariaDB). This is the</a:t>
+              <a:t>When you run a command like openstack server list, a complex sequence of events, often</a:t>
             </a:r>
             <a:br/>
             <a:r>
-              <a:t>                    standard configuration for small deployments and our lab environment.</a:t>
+              <a:t>                called the "Token Dance," occurs in the background before you see any output.</a:t>
             </a:r>
           </a:p>
           <a:p>
@@ -14527,19 +14784,11 @@
               </a:defRPr>
             </a:pPr>
             <a:r>
-              <a:t>LDAP / Active Directory (Enterprise): In large enterprises, you do not want to</a:t>
+              <a:t>Figure 1: The Keystone "Token Dance" - Documenting the 7-step process of authentication and</a:t>
             </a:r>
             <a:br/>
             <a:r>
-              <a:t>                    create separate accounts for every system. Keystone can plug directly into the corporate Active</a:t>
-            </a:r>
-            <a:br/>
-            <a:r>
-              <a:t>                    Directory. When a user logs in, Keystone forwards the password to the Domain Controller for</a:t>
-            </a:r>
-            <a:br/>
-            <a:r>
-              <a:t>                    validation, ensuring Single Sign-On (SSO).</a:t>
+              <a:t>                    authorization</a:t>
             </a:r>
           </a:p>
         </p:txBody>
@@ -14624,7 +14873,7 @@
               </a:defRPr>
             </a:pPr>
             <a:r>
-              <a:t>2.3 Token Providers (Fernet vs UUID)</a:t>
+              <a:t>2.2 The Backend (Where are users stored?)</a:t>
             </a:r>
           </a:p>
         </p:txBody>
@@ -14665,15 +14914,11 @@
               </a:defRPr>
             </a:pPr>
             <a:r>
-              <a:t>UUID (Legacy): A random string stored in the Keystone Database. The problem with</a:t>
+              <a:t>SQL (Local): Users are stored in the OpenStack database (MariaDB). This is the</a:t>
             </a:r>
             <a:br/>
             <a:r>
-              <a:t>                    this method is that every validation requires a Database Lookup. In massive clouds handling</a:t>
-            </a:r>
-            <a:br/>
-            <a:r>
-              <a:t>                    10,000 requests per second, this would crush the database.</a:t>
+              <a:t>                    standard configuration for small deployments and our lab environment.</a:t>
             </a:r>
           </a:p>
           <a:p>
@@ -14691,19 +14936,19 @@
               </a:defRPr>
             </a:pPr>
             <a:r>
-              <a:t>Fernet (Modern): A cryptographic token format. The token contains the User ID and</a:t>
+              <a:t>LDAP / Active Directory (Enterprise): In large enterprises, you do not want to</a:t>
             </a:r>
             <a:br/>
             <a:r>
-              <a:t>                    Expiry Time, encrypted using a secret key held by the Keystone server. The major benefit is</a:t>
+              <a:t>                    create separate accounts for every system. Keystone can plug directly into the corporate Active</a:t>
             </a:r>
             <a:br/>
             <a:r>
-              <a:t>                    that Keystone does not need to store the token in a database. To validate it, it simply</a:t>
+              <a:t>                    Directory. When a user logs in, Keystone forwards the password to the Domain Controller for</a:t>
             </a:r>
             <a:br/>
             <a:r>
-              <a:t>                    decrypts the token significantly reducing database load and allowing Keystone to scale infinitely.</a:t>
+              <a:t>                    validation, ensuring Single Sign-On (SSO).</a:t>
             </a:r>
           </a:p>
         </p:txBody>
@@ -14788,7 +15033,7 @@
               </a:defRPr>
             </a:pPr>
             <a:r>
-              <a:t>2.4 The Hierarchy</a:t>
+              <a:t>2.3 Token Providers (Fernet vs UUID)</a:t>
             </a:r>
           </a:p>
         </p:txBody>
@@ -14829,11 +15074,15 @@
               </a:defRPr>
             </a:pPr>
             <a:r>
-              <a:t>Domain: A high-level container (e.g., "Default" or "Corporate_A"). Use for</a:t>
+              <a:t>UUID (Legacy): A random string stored in the Keystone Database. The problem with</a:t>
             </a:r>
             <a:br/>
             <a:r>
-              <a:t>                    multi-tenant isolation.</a:t>
+              <a:t>                    this method is that every validation requires a Database Lookup. In massive clouds handling</a:t>
+            </a:r>
+            <a:br/>
+            <a:r>
+              <a:t>                    10,000 requests per second, this would crush the database.</a:t>
             </a:r>
           </a:p>
           <a:p>
@@ -14851,47 +15100,19 @@
               </a:defRPr>
             </a:pPr>
             <a:r>
-              <a:t>Project (Tenant): The workspace. Resources (VMs, Networks) belong to a Project.</a:t>
-            </a:r>
-          </a:p>
-          <a:p>
-            <a:pPr>
-              <a:spcBef>
-                <a:spcPts val="800"/>
-              </a:spcBef>
-              <a:spcAft>
-                <a:spcPts val="800"/>
-              </a:spcAft>
-              <a:defRPr sz="2000">
-                <a:solidFill>
-                  <a:srgbClr val="FFFFFF"/>
-                </a:solidFill>
-              </a:defRPr>
-            </a:pPr>
-            <a:r>
-              <a:t>User: The human or service account.</a:t>
-            </a:r>
-          </a:p>
-          <a:p>
-            <a:pPr>
-              <a:spcBef>
-                <a:spcPts val="800"/>
-              </a:spcBef>
-              <a:spcAft>
-                <a:spcPts val="800"/>
-              </a:spcAft>
-              <a:defRPr sz="2000">
-                <a:solidFill>
-                  <a:srgbClr val="FFFFFF"/>
-                </a:solidFill>
-              </a:defRPr>
-            </a:pPr>
-            <a:r>
-              <a:t>Role: The permission set. A User must have a Role on a Project to do</a:t>
+              <a:t>Fernet (Modern): A cryptographic token format. The token contains the User ID and</a:t>
             </a:r>
             <a:br/>
             <a:r>
-              <a:t>                    anything.</a:t>
+              <a:t>                    Expiry Time, encrypted using a secret key held by the Keystone server. The major benefit is</a:t>
+            </a:r>
+            <a:br/>
+            <a:r>
+              <a:t>                    that Keystone does not need to store the token in a database. To validate it, it simply</a:t>
+            </a:r>
+            <a:br/>
+            <a:r>
+              <a:t>                    decrypts the token significantly reducing database load and allowing Keystone to scale infinitely.</a:t>
             </a:r>
           </a:p>
         </p:txBody>
